--- a/NullPointerHotel.pptx
+++ b/NullPointerHotel.pptx
@@ -864,7 +864,7 @@
             <a:fld id="{B61BEF0D-F0BB-DE4B-95CE-6DB70DBA9567}" type="datetimeFigureOut">
               <a:rPr lang="en-US" dirty="0"/>
               <a:pPr/>
-              <a:t>1/23/2020</a:t>
+              <a:t>1/24/2020</a:t>
             </a:fld>
             <a:endParaRPr lang="en-US" dirty="0"/>
           </a:p>
@@ -1112,7 +1112,7 @@
             <a:fld id="{B61BEF0D-F0BB-DE4B-95CE-6DB70DBA9567}" type="datetimeFigureOut">
               <a:rPr lang="en-US" dirty="0"/>
               <a:pPr/>
-              <a:t>1/23/2020</a:t>
+              <a:t>1/24/2020</a:t>
             </a:fld>
             <a:endParaRPr lang="en-US" dirty="0"/>
           </a:p>
@@ -1423,7 +1423,7 @@
             <a:fld id="{B61BEF0D-F0BB-DE4B-95CE-6DB70DBA9567}" type="datetimeFigureOut">
               <a:rPr lang="en-US" dirty="0"/>
               <a:pPr/>
-              <a:t>1/23/2020</a:t>
+              <a:t>1/24/2020</a:t>
             </a:fld>
             <a:endParaRPr lang="en-US" dirty="0"/>
           </a:p>
@@ -1753,7 +1753,7 @@
             <a:fld id="{B61BEF0D-F0BB-DE4B-95CE-6DB70DBA9567}" type="datetimeFigureOut">
               <a:rPr lang="en-US" dirty="0"/>
               <a:pPr/>
-              <a:t>1/23/2020</a:t>
+              <a:t>1/24/2020</a:t>
             </a:fld>
             <a:endParaRPr lang="en-US" dirty="0"/>
           </a:p>
@@ -2064,7 +2064,7 @@
             <a:fld id="{B61BEF0D-F0BB-DE4B-95CE-6DB70DBA9567}" type="datetimeFigureOut">
               <a:rPr lang="en-US" dirty="0"/>
               <a:pPr/>
-              <a:t>1/23/2020</a:t>
+              <a:t>1/24/2020</a:t>
             </a:fld>
             <a:endParaRPr lang="en-US" dirty="0"/>
           </a:p>
@@ -2454,7 +2454,7 @@
             <a:fld id="{B61BEF0D-F0BB-DE4B-95CE-6DB70DBA9567}" type="datetimeFigureOut">
               <a:rPr lang="en-US" dirty="0"/>
               <a:pPr/>
-              <a:t>1/23/2020</a:t>
+              <a:t>1/24/2020</a:t>
             </a:fld>
             <a:endParaRPr lang="en-US" dirty="0"/>
           </a:p>
@@ -2620,7 +2620,7 @@
           <a:p>
             <a:fld id="{55C6B4A9-1611-4792-9094-5F34BCA07E0B}" type="datetimeFigureOut">
               <a:rPr lang="en-US" dirty="0"/>
-              <a:t>1/23/2020</a:t>
+              <a:t>1/24/2020</a:t>
             </a:fld>
             <a:endParaRPr lang="en-US" dirty="0"/>
           </a:p>
@@ -2796,7 +2796,7 @@
             <a:fld id="{B61BEF0D-F0BB-DE4B-95CE-6DB70DBA9567}" type="datetimeFigureOut">
               <a:rPr lang="en-US" dirty="0"/>
               <a:pPr/>
-              <a:t>1/23/2020</a:t>
+              <a:t>1/24/2020</a:t>
             </a:fld>
             <a:endParaRPr lang="en-US" dirty="0"/>
           </a:p>
@@ -2962,7 +2962,7 @@
           <a:p>
             <a:fld id="{42A54C80-263E-416B-A8E0-580EDEADCBDC}" type="datetimeFigureOut">
               <a:rPr lang="en-US" dirty="0"/>
-              <a:t>1/23/2020</a:t>
+              <a:t>1/24/2020</a:t>
             </a:fld>
             <a:endParaRPr lang="en-US" dirty="0"/>
           </a:p>
@@ -3205,7 +3205,7 @@
             <a:fld id="{B61BEF0D-F0BB-DE4B-95CE-6DB70DBA9567}" type="datetimeFigureOut">
               <a:rPr lang="en-US" dirty="0"/>
               <a:pPr/>
-              <a:t>1/23/2020</a:t>
+              <a:t>1/24/2020</a:t>
             </a:fld>
             <a:endParaRPr lang="en-US" dirty="0"/>
           </a:p>
@@ -3433,7 +3433,7 @@
           <a:p>
             <a:fld id="{42A54C80-263E-416B-A8E0-580EDEADCBDC}" type="datetimeFigureOut">
               <a:rPr lang="en-US" dirty="0"/>
-              <a:t>1/23/2020</a:t>
+              <a:t>1/24/2020</a:t>
             </a:fld>
             <a:endParaRPr lang="en-US" dirty="0"/>
           </a:p>
@@ -3803,7 +3803,7 @@
             <a:fld id="{B61BEF0D-F0BB-DE4B-95CE-6DB70DBA9567}" type="datetimeFigureOut">
               <a:rPr lang="en-US" dirty="0"/>
               <a:pPr/>
-              <a:t>1/23/2020</a:t>
+              <a:t>1/24/2020</a:t>
             </a:fld>
             <a:endParaRPr lang="en-US" dirty="0"/>
           </a:p>
@@ -3923,7 +3923,7 @@
             <a:fld id="{B61BEF0D-F0BB-DE4B-95CE-6DB70DBA9567}" type="datetimeFigureOut">
               <a:rPr lang="en-US" dirty="0"/>
               <a:pPr/>
-              <a:t>1/23/2020</a:t>
+              <a:t>1/24/2020</a:t>
             </a:fld>
             <a:endParaRPr lang="en-US" dirty="0"/>
           </a:p>
@@ -4015,7 +4015,7 @@
             <a:fld id="{B61BEF0D-F0BB-DE4B-95CE-6DB70DBA9567}" type="datetimeFigureOut">
               <a:rPr lang="en-US" dirty="0"/>
               <a:pPr/>
-              <a:t>1/23/2020</a:t>
+              <a:t>1/24/2020</a:t>
             </a:fld>
             <a:endParaRPr lang="en-US" dirty="0"/>
           </a:p>
@@ -4266,7 +4266,7 @@
           <a:p>
             <a:fld id="{42A54C80-263E-416B-A8E0-580EDEADCBDC}" type="datetimeFigureOut">
               <a:rPr lang="en-US" dirty="0"/>
-              <a:t>1/23/2020</a:t>
+              <a:t>1/24/2020</a:t>
             </a:fld>
             <a:endParaRPr lang="en-US" dirty="0"/>
           </a:p>
@@ -4568,7 +4568,7 @@
             <a:fld id="{B61BEF0D-F0BB-DE4B-95CE-6DB70DBA9567}" type="datetimeFigureOut">
               <a:rPr lang="en-US" dirty="0"/>
               <a:pPr/>
-              <a:t>1/23/2020</a:t>
+              <a:t>1/24/2020</a:t>
             </a:fld>
             <a:endParaRPr lang="en-US" dirty="0"/>
           </a:p>
@@ -5266,7 +5266,7 @@
             <a:fld id="{B61BEF0D-F0BB-DE4B-95CE-6DB70DBA9567}" type="datetimeFigureOut">
               <a:rPr lang="en-US" dirty="0"/>
               <a:pPr/>
-              <a:t>1/23/2020</a:t>
+              <a:t>1/24/2020</a:t>
             </a:fld>
             <a:endParaRPr lang="en-US" dirty="0"/>
           </a:p>
@@ -9695,7 +9695,15 @@
             </a:r>
             <a:r>
               <a:rPr lang="de-AT" dirty="0" smtClean="0"/>
-              <a:t> was </a:t>
+              <a:t> </a:t>
+            </a:r>
+            <a:r>
+              <a:rPr lang="de-AT" dirty="0" err="1" smtClean="0"/>
+              <a:t>were</a:t>
+            </a:r>
+            <a:r>
+              <a:rPr lang="de-AT" dirty="0" smtClean="0"/>
+              <a:t> </a:t>
             </a:r>
             <a:r>
               <a:rPr lang="de-AT" dirty="0" err="1" smtClean="0"/>

--- a/NullPointerHotel.pptx
+++ b/NullPointerHotel.pptx
@@ -10,8 +10,9 @@
     <p:sldId id="257" r:id="rId4"/>
     <p:sldId id="258" r:id="rId5"/>
     <p:sldId id="261" r:id="rId6"/>
-    <p:sldId id="260" r:id="rId7"/>
-    <p:sldId id="262" r:id="rId8"/>
+    <p:sldId id="263" r:id="rId7"/>
+    <p:sldId id="260" r:id="rId8"/>
+    <p:sldId id="262" r:id="rId9"/>
   </p:sldIdLst>
   <p:sldSz cx="12192000" cy="6858000"/>
   <p:notesSz cx="6858000" cy="9144000"/>
@@ -719,7 +720,7 @@
           </a:lstStyle>
           <a:p>
             <a:r>
-              <a:rPr lang="de-DE" smtClean="0"/>
+              <a:rPr lang="de-DE"/>
               <a:t>Titelmasterformat durch Klicken bearbeiten</a:t>
             </a:r>
             <a:endParaRPr lang="en-US" dirty="0"/>
@@ -839,7 +840,7 @@
           </a:lstStyle>
           <a:p>
             <a:r>
-              <a:rPr lang="de-DE" smtClean="0"/>
+              <a:rPr lang="de-DE"/>
               <a:t>Formatvorlage des Untertitelmasters durch Klicken bearbeiten</a:t>
             </a:r>
             <a:endParaRPr lang="en-US" dirty="0"/>
@@ -965,7 +966,7 @@
           </a:lstStyle>
           <a:p>
             <a:r>
-              <a:rPr lang="de-DE" smtClean="0"/>
+              <a:rPr lang="de-DE"/>
               <a:t>Titelmasterformat durch Klicken bearbeiten</a:t>
             </a:r>
             <a:endParaRPr lang="en-US" dirty="0"/>
@@ -1088,7 +1089,7 @@
           <a:p>
             <a:pPr lvl="0"/>
             <a:r>
-              <a:rPr lang="de-DE" smtClean="0"/>
+              <a:rPr lang="de-DE"/>
               <a:t>Textmasterformat bearbeiten</a:t>
             </a:r>
           </a:p>
@@ -1213,7 +1214,7 @@
           </a:lstStyle>
           <a:p>
             <a:r>
-              <a:rPr lang="de-DE" smtClean="0"/>
+              <a:rPr lang="de-DE"/>
               <a:t>Titelmasterformat durch Klicken bearbeiten</a:t>
             </a:r>
             <a:endParaRPr lang="en-US" dirty="0"/>
@@ -1277,7 +1278,7 @@
           <a:p>
             <a:pPr lvl="0"/>
             <a:r>
-              <a:rPr lang="de-DE" smtClean="0"/>
+              <a:rPr lang="de-DE"/>
               <a:t>Textmasterformat bearbeiten</a:t>
             </a:r>
           </a:p>
@@ -1399,7 +1400,7 @@
           <a:p>
             <a:pPr lvl="0"/>
             <a:r>
-              <a:rPr lang="de-DE" smtClean="0"/>
+              <a:rPr lang="de-DE"/>
               <a:t>Textmasterformat bearbeiten</a:t>
             </a:r>
           </a:p>
@@ -1606,7 +1607,7 @@
           </a:lstStyle>
           <a:p>
             <a:r>
-              <a:rPr lang="de-DE" smtClean="0"/>
+              <a:rPr lang="de-DE"/>
               <a:t>Titelmasterformat durch Klicken bearbeiten</a:t>
             </a:r>
             <a:endParaRPr lang="en-US" dirty="0"/>
@@ -1729,7 +1730,7 @@
           <a:p>
             <a:pPr lvl="0"/>
             <a:r>
-              <a:rPr lang="de-DE" smtClean="0"/>
+              <a:rPr lang="de-DE"/>
               <a:t>Textmasterformat bearbeiten</a:t>
             </a:r>
           </a:p>
@@ -1854,7 +1855,7 @@
           </a:lstStyle>
           <a:p>
             <a:r>
-              <a:rPr lang="de-DE" smtClean="0"/>
+              <a:rPr lang="de-DE"/>
               <a:t>Titelmasterformat durch Klicken bearbeiten</a:t>
             </a:r>
             <a:endParaRPr lang="en-US" dirty="0"/>
@@ -1918,7 +1919,7 @@
           <a:p>
             <a:pPr lvl="0"/>
             <a:r>
-              <a:rPr lang="de-DE" smtClean="0"/>
+              <a:rPr lang="de-DE"/>
               <a:t>Textmasterformat bearbeiten</a:t>
             </a:r>
           </a:p>
@@ -2040,7 +2041,7 @@
           <a:p>
             <a:pPr lvl="0"/>
             <a:r>
-              <a:rPr lang="de-DE" smtClean="0"/>
+              <a:rPr lang="de-DE"/>
               <a:t>Textmasterformat bearbeiten</a:t>
             </a:r>
           </a:p>
@@ -2247,7 +2248,7 @@
           </a:lstStyle>
           <a:p>
             <a:r>
-              <a:rPr lang="de-DE" smtClean="0"/>
+              <a:rPr lang="de-DE"/>
               <a:t>Titelmasterformat durch Klicken bearbeiten</a:t>
             </a:r>
             <a:endParaRPr lang="en-US" dirty="0"/>
@@ -2308,7 +2309,7 @@
           <a:p>
             <a:pPr lvl="0"/>
             <a:r>
-              <a:rPr lang="de-DE" smtClean="0"/>
+              <a:rPr lang="de-DE"/>
               <a:t>Textmasterformat bearbeiten</a:t>
             </a:r>
           </a:p>
@@ -2430,7 +2431,7 @@
           <a:p>
             <a:pPr lvl="0"/>
             <a:r>
-              <a:rPr lang="de-DE" smtClean="0"/>
+              <a:rPr lang="de-DE"/>
               <a:t>Textmasterformat bearbeiten</a:t>
             </a:r>
           </a:p>
@@ -2544,7 +2545,7 @@
           <a:lstStyle/>
           <a:p>
             <a:r>
-              <a:rPr lang="de-DE" smtClean="0"/>
+              <a:rPr lang="de-DE"/>
               <a:t>Titelmasterformat durch Klicken bearbeiten</a:t>
             </a:r>
             <a:endParaRPr lang="en-US" dirty="0"/>
@@ -2568,35 +2569,35 @@
           <a:p>
             <a:pPr lvl="0"/>
             <a:r>
-              <a:rPr lang="de-DE" smtClean="0"/>
+              <a:rPr lang="de-DE"/>
               <a:t>Textmasterformat bearbeiten</a:t>
             </a:r>
           </a:p>
           <a:p>
             <a:pPr lvl="1"/>
             <a:r>
-              <a:rPr lang="de-DE" smtClean="0"/>
+              <a:rPr lang="de-DE"/>
               <a:t>Zweite Ebene</a:t>
             </a:r>
           </a:p>
           <a:p>
             <a:pPr lvl="2"/>
             <a:r>
-              <a:rPr lang="de-DE" smtClean="0"/>
+              <a:rPr lang="de-DE"/>
               <a:t>Dritte Ebene</a:t>
             </a:r>
           </a:p>
           <a:p>
             <a:pPr lvl="3"/>
             <a:r>
-              <a:rPr lang="de-DE" smtClean="0"/>
+              <a:rPr lang="de-DE"/>
               <a:t>Vierte Ebene</a:t>
             </a:r>
           </a:p>
           <a:p>
             <a:pPr lvl="4"/>
             <a:r>
-              <a:rPr lang="de-DE" smtClean="0"/>
+              <a:rPr lang="de-DE"/>
               <a:t>Fünfte Ebene</a:t>
             </a:r>
             <a:endParaRPr lang="en-US" dirty="0"/>
@@ -2714,7 +2715,7 @@
           <a:lstStyle/>
           <a:p>
             <a:r>
-              <a:rPr lang="de-DE" smtClean="0"/>
+              <a:rPr lang="de-DE"/>
               <a:t>Titelmasterformat durch Klicken bearbeiten</a:t>
             </a:r>
             <a:endParaRPr lang="en-US" dirty="0"/>
@@ -2743,35 +2744,35 @@
           <a:p>
             <a:pPr lvl="0"/>
             <a:r>
-              <a:rPr lang="de-DE" smtClean="0"/>
+              <a:rPr lang="de-DE"/>
               <a:t>Textmasterformat bearbeiten</a:t>
             </a:r>
           </a:p>
           <a:p>
             <a:pPr lvl="1"/>
             <a:r>
-              <a:rPr lang="de-DE" smtClean="0"/>
+              <a:rPr lang="de-DE"/>
               <a:t>Zweite Ebene</a:t>
             </a:r>
           </a:p>
           <a:p>
             <a:pPr lvl="2"/>
             <a:r>
-              <a:rPr lang="de-DE" smtClean="0"/>
+              <a:rPr lang="de-DE"/>
               <a:t>Dritte Ebene</a:t>
             </a:r>
           </a:p>
           <a:p>
             <a:pPr lvl="3"/>
             <a:r>
-              <a:rPr lang="de-DE" smtClean="0"/>
+              <a:rPr lang="de-DE"/>
               <a:t>Vierte Ebene</a:t>
             </a:r>
           </a:p>
           <a:p>
             <a:pPr lvl="4"/>
             <a:r>
-              <a:rPr lang="de-DE" smtClean="0"/>
+              <a:rPr lang="de-DE"/>
               <a:t>Fünfte Ebene</a:t>
             </a:r>
             <a:endParaRPr lang="en-US" dirty="0"/>
@@ -2886,7 +2887,7 @@
           <a:lstStyle/>
           <a:p>
             <a:r>
-              <a:rPr lang="de-DE" smtClean="0"/>
+              <a:rPr lang="de-DE"/>
               <a:t>Titelmasterformat durch Klicken bearbeiten</a:t>
             </a:r>
             <a:endParaRPr lang="en-US" dirty="0"/>
@@ -2910,35 +2911,35 @@
           <a:p>
             <a:pPr lvl="0"/>
             <a:r>
-              <a:rPr lang="de-DE" smtClean="0"/>
+              <a:rPr lang="de-DE"/>
               <a:t>Textmasterformat bearbeiten</a:t>
             </a:r>
           </a:p>
           <a:p>
             <a:pPr lvl="1"/>
             <a:r>
-              <a:rPr lang="de-DE" smtClean="0"/>
+              <a:rPr lang="de-DE"/>
               <a:t>Zweite Ebene</a:t>
             </a:r>
           </a:p>
           <a:p>
             <a:pPr lvl="2"/>
             <a:r>
-              <a:rPr lang="de-DE" smtClean="0"/>
+              <a:rPr lang="de-DE"/>
               <a:t>Dritte Ebene</a:t>
             </a:r>
           </a:p>
           <a:p>
             <a:pPr lvl="3"/>
             <a:r>
-              <a:rPr lang="de-DE" smtClean="0"/>
+              <a:rPr lang="de-DE"/>
               <a:t>Vierte Ebene</a:t>
             </a:r>
           </a:p>
           <a:p>
             <a:pPr lvl="4"/>
             <a:r>
-              <a:rPr lang="de-DE" smtClean="0"/>
+              <a:rPr lang="de-DE"/>
               <a:t>Fünfte Ebene</a:t>
             </a:r>
             <a:endParaRPr lang="en-US" dirty="0"/>
@@ -3060,7 +3061,7 @@
           </a:lstStyle>
           <a:p>
             <a:r>
-              <a:rPr lang="de-DE" smtClean="0"/>
+              <a:rPr lang="de-DE"/>
               <a:t>Titelmasterformat durch Klicken bearbeiten</a:t>
             </a:r>
             <a:endParaRPr lang="en-US" dirty="0"/>
@@ -3181,7 +3182,7 @@
           <a:p>
             <a:pPr lvl="0"/>
             <a:r>
-              <a:rPr lang="de-DE" smtClean="0"/>
+              <a:rPr lang="de-DE"/>
               <a:t>Textmasterformat bearbeiten</a:t>
             </a:r>
           </a:p>
@@ -3295,7 +3296,7 @@
           <a:lstStyle/>
           <a:p>
             <a:r>
-              <a:rPr lang="de-DE" smtClean="0"/>
+              <a:rPr lang="de-DE"/>
               <a:t>Titelmasterformat durch Klicken bearbeiten</a:t>
             </a:r>
             <a:endParaRPr lang="en-US" dirty="0"/>
@@ -3324,35 +3325,35 @@
           <a:p>
             <a:pPr lvl="0"/>
             <a:r>
-              <a:rPr lang="de-DE" smtClean="0"/>
+              <a:rPr lang="de-DE"/>
               <a:t>Textmasterformat bearbeiten</a:t>
             </a:r>
           </a:p>
           <a:p>
             <a:pPr lvl="1"/>
             <a:r>
-              <a:rPr lang="de-DE" smtClean="0"/>
+              <a:rPr lang="de-DE"/>
               <a:t>Zweite Ebene</a:t>
             </a:r>
           </a:p>
           <a:p>
             <a:pPr lvl="2"/>
             <a:r>
-              <a:rPr lang="de-DE" smtClean="0"/>
+              <a:rPr lang="de-DE"/>
               <a:t>Dritte Ebene</a:t>
             </a:r>
           </a:p>
           <a:p>
             <a:pPr lvl="3"/>
             <a:r>
-              <a:rPr lang="de-DE" smtClean="0"/>
+              <a:rPr lang="de-DE"/>
               <a:t>Vierte Ebene</a:t>
             </a:r>
           </a:p>
           <a:p>
             <a:pPr lvl="4"/>
             <a:r>
-              <a:rPr lang="de-DE" smtClean="0"/>
+              <a:rPr lang="de-DE"/>
               <a:t>Fünfte Ebene</a:t>
             </a:r>
             <a:endParaRPr lang="en-US" dirty="0"/>
@@ -3381,35 +3382,35 @@
           <a:p>
             <a:pPr lvl="0"/>
             <a:r>
-              <a:rPr lang="de-DE" smtClean="0"/>
+              <a:rPr lang="de-DE"/>
               <a:t>Textmasterformat bearbeiten</a:t>
             </a:r>
           </a:p>
           <a:p>
             <a:pPr lvl="1"/>
             <a:r>
-              <a:rPr lang="de-DE" smtClean="0"/>
+              <a:rPr lang="de-DE"/>
               <a:t>Zweite Ebene</a:t>
             </a:r>
           </a:p>
           <a:p>
             <a:pPr lvl="2"/>
             <a:r>
-              <a:rPr lang="de-DE" smtClean="0"/>
+              <a:rPr lang="de-DE"/>
               <a:t>Dritte Ebene</a:t>
             </a:r>
           </a:p>
           <a:p>
             <a:pPr lvl="3"/>
             <a:r>
-              <a:rPr lang="de-DE" smtClean="0"/>
+              <a:rPr lang="de-DE"/>
               <a:t>Vierte Ebene</a:t>
             </a:r>
           </a:p>
           <a:p>
             <a:pPr lvl="4"/>
             <a:r>
-              <a:rPr lang="de-DE" smtClean="0"/>
+              <a:rPr lang="de-DE"/>
               <a:t>Fünfte Ebene</a:t>
             </a:r>
             <a:endParaRPr lang="en-US" dirty="0"/>
@@ -3526,7 +3527,7 @@
           </a:lstStyle>
           <a:p>
             <a:r>
-              <a:rPr lang="de-DE" smtClean="0"/>
+              <a:rPr lang="de-DE"/>
               <a:t>Titelmasterformat durch Klicken bearbeiten</a:t>
             </a:r>
             <a:endParaRPr lang="en-US" dirty="0"/>
@@ -3594,7 +3595,7 @@
           <a:p>
             <a:pPr lvl="0"/>
             <a:r>
-              <a:rPr lang="de-DE" smtClean="0"/>
+              <a:rPr lang="de-DE"/>
               <a:t>Textmasterformat bearbeiten</a:t>
             </a:r>
           </a:p>
@@ -3624,35 +3625,35 @@
           <a:p>
             <a:pPr lvl="0"/>
             <a:r>
-              <a:rPr lang="de-DE" smtClean="0"/>
+              <a:rPr lang="de-DE"/>
               <a:t>Textmasterformat bearbeiten</a:t>
             </a:r>
           </a:p>
           <a:p>
             <a:pPr lvl="1"/>
             <a:r>
-              <a:rPr lang="de-DE" smtClean="0"/>
+              <a:rPr lang="de-DE"/>
               <a:t>Zweite Ebene</a:t>
             </a:r>
           </a:p>
           <a:p>
             <a:pPr lvl="2"/>
             <a:r>
-              <a:rPr lang="de-DE" smtClean="0"/>
+              <a:rPr lang="de-DE"/>
               <a:t>Dritte Ebene</a:t>
             </a:r>
           </a:p>
           <a:p>
             <a:pPr lvl="3"/>
             <a:r>
-              <a:rPr lang="de-DE" smtClean="0"/>
+              <a:rPr lang="de-DE"/>
               <a:t>Vierte Ebene</a:t>
             </a:r>
           </a:p>
           <a:p>
             <a:pPr lvl="4"/>
             <a:r>
-              <a:rPr lang="de-DE" smtClean="0"/>
+              <a:rPr lang="de-DE"/>
               <a:t>Fünfte Ebene</a:t>
             </a:r>
             <a:endParaRPr lang="en-US" dirty="0"/>
@@ -3720,7 +3721,7 @@
           <a:p>
             <a:pPr lvl="0"/>
             <a:r>
-              <a:rPr lang="de-DE" smtClean="0"/>
+              <a:rPr lang="de-DE"/>
               <a:t>Textmasterformat bearbeiten</a:t>
             </a:r>
           </a:p>
@@ -3750,35 +3751,35 @@
           <a:p>
             <a:pPr lvl="0"/>
             <a:r>
-              <a:rPr lang="de-DE" smtClean="0"/>
+              <a:rPr lang="de-DE"/>
               <a:t>Textmasterformat bearbeiten</a:t>
             </a:r>
           </a:p>
           <a:p>
             <a:pPr lvl="1"/>
             <a:r>
-              <a:rPr lang="de-DE" smtClean="0"/>
+              <a:rPr lang="de-DE"/>
               <a:t>Zweite Ebene</a:t>
             </a:r>
           </a:p>
           <a:p>
             <a:pPr lvl="2"/>
             <a:r>
-              <a:rPr lang="de-DE" smtClean="0"/>
+              <a:rPr lang="de-DE"/>
               <a:t>Dritte Ebene</a:t>
             </a:r>
           </a:p>
           <a:p>
             <a:pPr lvl="3"/>
             <a:r>
-              <a:rPr lang="de-DE" smtClean="0"/>
+              <a:rPr lang="de-DE"/>
               <a:t>Vierte Ebene</a:t>
             </a:r>
           </a:p>
           <a:p>
             <a:pPr lvl="4"/>
             <a:r>
-              <a:rPr lang="de-DE" smtClean="0"/>
+              <a:rPr lang="de-DE"/>
               <a:t>Fünfte Ebene</a:t>
             </a:r>
             <a:endParaRPr lang="en-US" dirty="0"/>
@@ -3898,7 +3899,7 @@
           <a:lstStyle/>
           <a:p>
             <a:r>
-              <a:rPr lang="de-DE" smtClean="0"/>
+              <a:rPr lang="de-DE"/>
               <a:t>Titelmasterformat durch Klicken bearbeiten</a:t>
             </a:r>
             <a:endParaRPr lang="en-US" dirty="0"/>
@@ -4116,7 +4117,7 @@
           </a:lstStyle>
           <a:p>
             <a:r>
-              <a:rPr lang="de-DE" smtClean="0"/>
+              <a:rPr lang="de-DE"/>
               <a:t>Titelmasterformat durch Klicken bearbeiten</a:t>
             </a:r>
             <a:endParaRPr lang="en-US" dirty="0"/>
@@ -4147,35 +4148,35 @@
           <a:p>
             <a:pPr lvl="0"/>
             <a:r>
-              <a:rPr lang="de-DE" smtClean="0"/>
+              <a:rPr lang="de-DE"/>
               <a:t>Textmasterformat bearbeiten</a:t>
             </a:r>
           </a:p>
           <a:p>
             <a:pPr lvl="1"/>
             <a:r>
-              <a:rPr lang="de-DE" smtClean="0"/>
+              <a:rPr lang="de-DE"/>
               <a:t>Zweite Ebene</a:t>
             </a:r>
           </a:p>
           <a:p>
             <a:pPr lvl="2"/>
             <a:r>
-              <a:rPr lang="de-DE" smtClean="0"/>
+              <a:rPr lang="de-DE"/>
               <a:t>Dritte Ebene</a:t>
             </a:r>
           </a:p>
           <a:p>
             <a:pPr lvl="3"/>
             <a:r>
-              <a:rPr lang="de-DE" smtClean="0"/>
+              <a:rPr lang="de-DE"/>
               <a:t>Vierte Ebene</a:t>
             </a:r>
           </a:p>
           <a:p>
             <a:pPr lvl="4"/>
             <a:r>
-              <a:rPr lang="de-DE" smtClean="0"/>
+              <a:rPr lang="de-DE"/>
               <a:t>Fünfte Ebene</a:t>
             </a:r>
             <a:endParaRPr lang="en-US" dirty="0"/>
@@ -4243,7 +4244,7 @@
           <a:p>
             <a:pPr lvl="0"/>
             <a:r>
-              <a:rPr lang="de-DE" smtClean="0"/>
+              <a:rPr lang="de-DE"/>
               <a:t>Textmasterformat bearbeiten</a:t>
             </a:r>
           </a:p>
@@ -4366,7 +4367,7 @@
           </a:lstStyle>
           <a:p>
             <a:r>
-              <a:rPr lang="de-DE" smtClean="0"/>
+              <a:rPr lang="de-DE"/>
               <a:t>Titelmasterformat durch Klicken bearbeiten</a:t>
             </a:r>
             <a:endParaRPr lang="en-US" dirty="0"/>
@@ -4433,7 +4434,7 @@
           </a:lstStyle>
           <a:p>
             <a:r>
-              <a:rPr lang="de-DE" smtClean="0"/>
+              <a:rPr lang="de-DE"/>
               <a:t>Bild durch Klicken auf Symbol hinzufügen</a:t>
             </a:r>
             <a:endParaRPr lang="en-US" dirty="0"/>
@@ -4501,7 +4502,7 @@
           <a:p>
             <a:pPr lvl="0"/>
             <a:r>
-              <a:rPr lang="de-DE" smtClean="0"/>
+              <a:rPr lang="de-DE"/>
               <a:t>Textmasterformat bearbeiten</a:t>
             </a:r>
           </a:p>
@@ -5161,7 +5162,7 @@
           <a:lstStyle/>
           <a:p>
             <a:r>
-              <a:rPr lang="de-DE" smtClean="0"/>
+              <a:rPr lang="de-DE"/>
               <a:t>Titelmasterformat durch Klicken bearbeiten</a:t>
             </a:r>
             <a:endParaRPr lang="en-US" dirty="0"/>
@@ -5195,35 +5196,35 @@
           <a:p>
             <a:pPr lvl="0"/>
             <a:r>
-              <a:rPr lang="de-DE" smtClean="0"/>
+              <a:rPr lang="de-DE"/>
               <a:t>Textmasterformat bearbeiten</a:t>
             </a:r>
           </a:p>
           <a:p>
             <a:pPr lvl="1"/>
             <a:r>
-              <a:rPr lang="de-DE" smtClean="0"/>
+              <a:rPr lang="de-DE"/>
               <a:t>Zweite Ebene</a:t>
             </a:r>
           </a:p>
           <a:p>
             <a:pPr lvl="2"/>
             <a:r>
-              <a:rPr lang="de-DE" smtClean="0"/>
+              <a:rPr lang="de-DE"/>
               <a:t>Dritte Ebene</a:t>
             </a:r>
           </a:p>
           <a:p>
             <a:pPr lvl="3"/>
             <a:r>
-              <a:rPr lang="de-DE" smtClean="0"/>
+              <a:rPr lang="de-DE"/>
               <a:t>Vierte Ebene</a:t>
             </a:r>
           </a:p>
           <a:p>
             <a:pPr lvl="4"/>
             <a:r>
-              <a:rPr lang="de-DE" smtClean="0"/>
+              <a:rPr lang="de-DE"/>
               <a:t>Fünfte Ebene</a:t>
             </a:r>
             <a:endParaRPr lang="en-US" dirty="0"/>
@@ -5807,18 +5808,18 @@
           <a:lstStyle/>
           <a:p>
             <a:r>
-              <a:rPr lang="de-AT" dirty="0" smtClean="0"/>
-              <a:t>NP-Hotel</a:t>
+              <a:rPr lang="de-AT" dirty="0"/>
+              <a:t>Null Pointer Hotel</a:t>
             </a:r>
             <a:br>
-              <a:rPr lang="de-AT" dirty="0" smtClean="0"/>
+              <a:rPr lang="de-AT" dirty="0"/>
             </a:br>
             <a:r>
-              <a:rPr lang="de-AT" sz="3600" dirty="0" err="1" smtClean="0"/>
+              <a:rPr lang="en-GB" sz="3600" dirty="0"/>
               <a:t>Exception</a:t>
             </a:r>
             <a:r>
-              <a:rPr lang="de-AT" sz="3600" dirty="0" smtClean="0"/>
+              <a:rPr lang="de-AT" sz="3600" dirty="0"/>
               <a:t> Class</a:t>
             </a:r>
             <a:endParaRPr lang="de-AT" dirty="0"/>
@@ -5846,24 +5847,23 @@
           <a:lstStyle/>
           <a:p>
             <a:r>
-              <a:rPr lang="de-AT" dirty="0" smtClean="0"/>
+              <a:rPr lang="de-AT" dirty="0"/>
               <a:t>Java Hotel Software Projekt</a:t>
             </a:r>
           </a:p>
           <a:p>
             <a:r>
-              <a:rPr lang="de-AT" dirty="0" smtClean="0"/>
+              <a:rPr lang="de-AT" dirty="0"/>
               <a:t>@ </a:t>
             </a:r>
             <a:r>
-              <a:rPr lang="de-AT" dirty="0" err="1" smtClean="0"/>
-              <a:t>Codefactory</a:t>
-            </a:r>
-            <a:r>
-              <a:rPr lang="de-AT" dirty="0" smtClean="0"/>
+              <a:rPr lang="de-AT" dirty="0" err="1"/>
+              <a:t>CodeFactory</a:t>
+            </a:r>
+            <a:r>
+              <a:rPr lang="de-AT" dirty="0"/>
               <a:t> 2019/2020</a:t>
             </a:r>
-            <a:endParaRPr lang="de-AT" dirty="0"/>
           </a:p>
         </p:txBody>
       </p:sp>
@@ -5877,13 +5877,6 @@
   <p:clrMapOvr>
     <a:masterClrMapping/>
   </p:clrMapOvr>
-  <p:timing>
-    <p:tnLst>
-      <p:par>
-        <p:cTn id="1" dur="indefinite" restart="never" nodeType="tmRoot"/>
-      </p:par>
-    </p:tnLst>
-  </p:timing>
 </p:sld>
 </file>
 
@@ -5925,10 +5918,9 @@
           <a:lstStyle/>
           <a:p>
             <a:r>
-              <a:rPr lang="de-AT" dirty="0" smtClean="0"/>
+              <a:rPr lang="de-AT" dirty="0"/>
               <a:t>The Team</a:t>
             </a:r>
-            <a:endParaRPr lang="de-AT" dirty="0"/>
           </a:p>
         </p:txBody>
       </p:sp>
@@ -6215,7 +6207,7 @@
           </a:lstStyle>
           <a:p>
             <a:r>
-              <a:rPr lang="de-AT" sz="2000" dirty="0" smtClean="0"/>
+              <a:rPr lang="de-AT" sz="2000" dirty="0"/>
               <a:t>Steven Markhardt </a:t>
             </a:r>
           </a:p>
@@ -6225,7 +6217,7 @@
               <a:buNone/>
             </a:pPr>
             <a:r>
-              <a:rPr lang="de-AT" sz="2000" dirty="0" smtClean="0"/>
+              <a:rPr lang="de-AT" sz="2000" dirty="0"/>
               <a:t>Markus Kaspar </a:t>
             </a:r>
           </a:p>
@@ -6235,8 +6227,12 @@
               <a:buNone/>
             </a:pPr>
             <a:r>
-              <a:rPr lang="de-AT" sz="2000" dirty="0" smtClean="0"/>
-              <a:t> Max Drewitz</a:t>
+              <a:rPr lang="de-AT" sz="2000" dirty="0"/>
+              <a:t> Max </a:t>
+            </a:r>
+            <a:r>
+              <a:rPr lang="en-GB" sz="2000" dirty="0"/>
+              <a:t>Drewitz</a:t>
             </a:r>
           </a:p>
           <a:p>
@@ -6245,22 +6241,13 @@
               <a:buNone/>
             </a:pPr>
             <a:r>
-              <a:rPr lang="de-AT" sz="2000" dirty="0" smtClean="0"/>
+              <a:rPr lang="de-AT" sz="2000" dirty="0"/>
               <a:t>  Roman Springe</a:t>
             </a:r>
             <a:r>
-              <a:rPr lang="de-AT" sz="1800" dirty="0" smtClean="0"/>
-              <a:t>r (</a:t>
-            </a:r>
-            <a:r>
-              <a:rPr lang="de-AT" sz="1800" dirty="0" err="1" smtClean="0"/>
-              <a:t>Teamleader</a:t>
-            </a:r>
-            <a:r>
-              <a:rPr lang="de-AT" sz="1800" dirty="0" smtClean="0"/>
-              <a:t>) </a:t>
-            </a:r>
-            <a:endParaRPr lang="de-AT" sz="1800" dirty="0"/>
+              <a:rPr lang="de-AT" sz="1800" dirty="0"/>
+              <a:t>r (Teamleader) </a:t>
+            </a:r>
           </a:p>
         </p:txBody>
       </p:sp>
@@ -6563,18 +6550,14 @@
             </a:r>
             <a:r>
               <a:rPr lang="de-AT" sz="2000" dirty="0"/>
-              <a:t> </a:t>
-            </a:r>
-            <a:r>
-              <a:rPr lang="de-AT" sz="2000" dirty="0" smtClean="0"/>
-              <a:t> </a:t>
-            </a:r>
-            <a:r>
-              <a:rPr lang="de-AT" sz="2000" dirty="0" err="1" smtClean="0"/>
+              <a:t>  </a:t>
+            </a:r>
+            <a:r>
+              <a:rPr lang="de-AT" sz="2000" dirty="0" err="1"/>
               <a:t>and</a:t>
             </a:r>
             <a:r>
-              <a:rPr lang="de-AT" sz="2000" dirty="0" smtClean="0"/>
+              <a:rPr lang="de-AT" sz="2000" dirty="0"/>
               <a:t> </a:t>
             </a:r>
             <a:r>
@@ -6586,60 +6569,56 @@
               <a:t> </a:t>
             </a:r>
             <a:r>
-              <a:rPr lang="de-AT" sz="2000" b="1" dirty="0" err="1" smtClean="0"/>
+              <a:rPr lang="de-AT" sz="2000" b="1" dirty="0" err="1"/>
               <a:t>principles</a:t>
             </a:r>
             <a:r>
-              <a:rPr lang="de-AT" sz="2000" b="1" dirty="0" smtClean="0"/>
+              <a:rPr lang="de-AT" sz="2000" b="1" dirty="0"/>
               <a:t> (</a:t>
             </a:r>
             <a:r>
-              <a:rPr lang="de-AT" sz="2000" b="1" dirty="0" err="1" smtClean="0"/>
+              <a:rPr lang="de-AT" sz="2000" b="1" dirty="0" err="1"/>
               <a:t>very</a:t>
             </a:r>
             <a:r>
-              <a:rPr lang="de-AT" sz="2000" b="1" dirty="0" smtClean="0"/>
+              <a:rPr lang="de-AT" sz="2000" b="1" dirty="0"/>
               <a:t> agile)</a:t>
             </a:r>
           </a:p>
           <a:p>
             <a:r>
-              <a:rPr lang="de-AT" sz="2000" b="1" dirty="0" smtClean="0"/>
+              <a:rPr lang="de-AT" sz="2000" b="1" dirty="0"/>
               <a:t>Daily </a:t>
             </a:r>
             <a:r>
-              <a:rPr lang="de-AT" sz="2000" b="1" dirty="0" err="1" smtClean="0"/>
+              <a:rPr lang="de-AT" sz="2000" b="1" dirty="0" err="1"/>
               <a:t>meetings</a:t>
             </a:r>
-            <a:endParaRPr lang="de-AT" sz="2000" b="1" dirty="0" smtClean="0"/>
-          </a:p>
-          <a:p>
-            <a:r>
-              <a:rPr lang="de-AT" sz="2000" b="1" dirty="0" err="1" smtClean="0"/>
-              <a:t>Diferent</a:t>
-            </a:r>
-            <a:r>
-              <a:rPr lang="de-AT" sz="2000" b="1" dirty="0" smtClean="0"/>
-              <a:t> </a:t>
-            </a:r>
-            <a:r>
-              <a:rPr lang="de-AT" sz="2000" b="1" dirty="0" err="1" smtClean="0"/>
+            <a:endParaRPr lang="de-AT" sz="2000" b="1" dirty="0"/>
+          </a:p>
+          <a:p>
+            <a:r>
+              <a:rPr lang="de-AT" sz="2000" b="1" dirty="0"/>
+              <a:t>Different </a:t>
+            </a:r>
+            <a:r>
+              <a:rPr lang="en-GB" sz="2000" b="1" dirty="0"/>
               <a:t>sprints</a:t>
             </a:r>
             <a:r>
-              <a:rPr lang="de-AT" sz="2000" b="1" dirty="0" smtClean="0"/>
+              <a:rPr lang="de-AT" sz="2000" b="1" dirty="0"/>
               <a:t> (1 </a:t>
             </a:r>
             <a:r>
-              <a:rPr lang="de-AT" sz="2000" b="1" dirty="0" err="1" smtClean="0"/>
+              <a:rPr lang="de-AT" sz="2000" b="1" dirty="0" err="1"/>
               <a:t>to</a:t>
             </a:r>
             <a:r>
-              <a:rPr lang="de-AT" sz="2000" b="1" dirty="0" smtClean="0"/>
+              <a:rPr lang="de-AT" sz="2000" b="1" dirty="0"/>
               <a:t> n Days)</a:t>
             </a:r>
             <a:br>
-              <a:rPr lang="de-AT" sz="2000" b="1" dirty="0" smtClean="0"/>
+              <a:rPr lang="de-AT" sz="2000" b="1" dirty="0"/>
             </a:br>
             <a:endParaRPr lang="de-AT" sz="2000" dirty="0"/>
           </a:p>
@@ -6740,31 +6719,31 @@
           </a:lstStyle>
           <a:p>
             <a:r>
-              <a:rPr lang="de-AT" sz="2800" dirty="0" err="1" smtClean="0"/>
+              <a:rPr lang="de-AT" sz="2800" dirty="0" err="1"/>
               <a:t>How</a:t>
             </a:r>
             <a:r>
-              <a:rPr lang="de-AT" sz="2800" dirty="0" smtClean="0"/>
+              <a:rPr lang="de-AT" sz="2800" dirty="0"/>
               <a:t> </a:t>
             </a:r>
             <a:r>
-              <a:rPr lang="de-AT" sz="2800" dirty="0" err="1" smtClean="0"/>
+              <a:rPr lang="de-AT" sz="2800" dirty="0" err="1"/>
               <a:t>the</a:t>
             </a:r>
             <a:r>
-              <a:rPr lang="de-AT" sz="2800" dirty="0" smtClean="0"/>
+              <a:rPr lang="de-AT" sz="2800" dirty="0"/>
               <a:t> </a:t>
             </a:r>
             <a:r>
-              <a:rPr lang="de-AT" sz="2800" dirty="0" err="1" smtClean="0"/>
+              <a:rPr lang="de-AT" sz="2800" dirty="0" err="1"/>
               <a:t>team</a:t>
             </a:r>
             <a:r>
-              <a:rPr lang="de-AT" sz="2800" dirty="0" smtClean="0"/>
+              <a:rPr lang="de-AT" sz="2800" dirty="0"/>
               <a:t> </a:t>
             </a:r>
             <a:r>
-              <a:rPr lang="de-AT" sz="2800" dirty="0" err="1" smtClean="0"/>
+              <a:rPr lang="de-AT" sz="2800" dirty="0" err="1"/>
               <a:t>works</a:t>
             </a:r>
             <a:endParaRPr lang="de-AT" sz="2800" dirty="0"/>
@@ -6781,13 +6760,6 @@
   <p:clrMapOvr>
     <a:masterClrMapping/>
   </p:clrMapOvr>
-  <p:timing>
-    <p:tnLst>
-      <p:par>
-        <p:cTn id="1" dur="indefinite" restart="never" nodeType="tmRoot"/>
-      </p:par>
-    </p:tnLst>
-  </p:timing>
 </p:sld>
 </file>
 
@@ -6829,20 +6801,8 @@
           <a:lstStyle/>
           <a:p>
             <a:r>
-              <a:rPr lang="de-AT" dirty="0" smtClean="0"/>
-              <a:t>Project </a:t>
-            </a:r>
-            <a:r>
               <a:rPr lang="de-AT" dirty="0"/>
-              <a:t>3 – Hotel Management </a:t>
-            </a:r>
-            <a:r>
-              <a:rPr lang="de-AT" dirty="0" smtClean="0"/>
-              <a:t>System</a:t>
-            </a:r>
-            <a:r>
-              <a:rPr lang="de-AT" dirty="0"/>
-              <a:t/>
+              <a:t>Project 3 – Hotel Management System</a:t>
             </a:r>
             <a:br>
               <a:rPr lang="de-AT" dirty="0"/>
@@ -7134,58 +7094,9 @@
           </a:lstStyle>
           <a:p>
             <a:r>
-              <a:rPr lang="de-AT" sz="2000" dirty="0" smtClean="0"/>
-              <a:t>Software </a:t>
-            </a:r>
-            <a:r>
-              <a:rPr lang="de-AT" sz="2000" dirty="0" err="1" smtClean="0"/>
-              <a:t>for</a:t>
-            </a:r>
-            <a:r>
-              <a:rPr lang="de-AT" sz="2000" dirty="0" smtClean="0"/>
-              <a:t> </a:t>
-            </a:r>
-            <a:r>
-              <a:rPr lang="de-AT" sz="2000" dirty="0" err="1" smtClean="0"/>
-              <a:t>use</a:t>
-            </a:r>
-            <a:r>
-              <a:rPr lang="de-AT" sz="2000" dirty="0" smtClean="0"/>
-              <a:t> </a:t>
-            </a:r>
-            <a:r>
-              <a:rPr lang="de-AT" sz="2000" dirty="0" err="1" smtClean="0"/>
-              <a:t>by</a:t>
-            </a:r>
-            <a:r>
-              <a:rPr lang="de-AT" sz="2000" dirty="0" smtClean="0"/>
-              <a:t> </a:t>
-            </a:r>
-            <a:r>
-              <a:rPr lang="de-AT" sz="2000" dirty="0" err="1" smtClean="0"/>
-              <a:t>the</a:t>
-            </a:r>
-            <a:r>
-              <a:rPr lang="de-AT" sz="2000" dirty="0"/>
-              <a:t> </a:t>
-            </a:r>
-            <a:r>
-              <a:rPr lang="de-AT" sz="2000" dirty="0" err="1"/>
-              <a:t>hotel</a:t>
-            </a:r>
-            <a:r>
-              <a:rPr lang="de-AT" sz="2000" dirty="0"/>
-              <a:t> </a:t>
-            </a:r>
-            <a:r>
-              <a:rPr lang="de-AT" sz="2000" dirty="0" err="1" smtClean="0"/>
-              <a:t>employees</a:t>
-            </a:r>
-            <a:r>
-              <a:rPr lang="de-AT" sz="2000" dirty="0" smtClean="0"/>
-              <a:t>.</a:t>
-            </a:r>
-            <a:endParaRPr lang="de-AT" sz="2000" dirty="0"/>
+              <a:rPr lang="en-GB" sz="2000" dirty="0"/>
+              <a:t>Software to be used by the hotel employees.</a:t>
+            </a:r>
           </a:p>
         </p:txBody>
       </p:sp>
@@ -7478,246 +7389,65 @@
               <a:buNone/>
             </a:pPr>
             <a:r>
-              <a:rPr lang="de-AT" sz="2000" dirty="0" err="1" smtClean="0">
+              <a:rPr lang="en-GB" sz="2000" dirty="0">
                 <a:solidFill>
                   <a:schemeClr val="accent1">
                     <a:lumMod val="75000"/>
                   </a:schemeClr>
                 </a:solidFill>
               </a:rPr>
-              <a:t>Planing</a:t>
-            </a:r>
-            <a:r>
-              <a:rPr lang="de-AT" sz="2000" dirty="0" smtClean="0">
+              <a:t>Planning</a:t>
+            </a:r>
+            <a:r>
+              <a:rPr lang="de-AT" sz="2000" dirty="0">
                 <a:solidFill>
                   <a:schemeClr val="accent1">
                     <a:lumMod val="75000"/>
                   </a:schemeClr>
                 </a:solidFill>
               </a:rPr>
-              <a:t> </a:t>
-            </a:r>
-            <a:r>
-              <a:rPr lang="de-AT" sz="2000" dirty="0" err="1" smtClean="0">
+              <a:t> and </a:t>
+            </a:r>
+            <a:r>
+              <a:rPr lang="en-GB" sz="2000" dirty="0">
                 <a:solidFill>
                   <a:schemeClr val="accent1">
                     <a:lumMod val="75000"/>
                   </a:schemeClr>
                 </a:solidFill>
               </a:rPr>
-              <a:t>and</a:t>
-            </a:r>
-            <a:r>
-              <a:rPr lang="de-AT" sz="2000" dirty="0" smtClean="0">
+              <a:t>research the needs</a:t>
+            </a:r>
+          </a:p>
+          <a:p>
+            <a:pPr marL="0" indent="0">
+              <a:buNone/>
+            </a:pPr>
+            <a:r>
+              <a:rPr lang="en-GB" sz="2000" dirty="0">
                 <a:solidFill>
                   <a:schemeClr val="accent1">
                     <a:lumMod val="75000"/>
                   </a:schemeClr>
                 </a:solidFill>
               </a:rPr>
-              <a:t> </a:t>
-            </a:r>
-            <a:r>
-              <a:rPr lang="de-AT" sz="2000" dirty="0" err="1" smtClean="0">
+              <a:t>define components of application</a:t>
+            </a:r>
+          </a:p>
+          <a:p>
+            <a:pPr marL="0" indent="0">
+              <a:buNone/>
+            </a:pPr>
+            <a:r>
+              <a:rPr lang="en-GB" sz="2000" dirty="0">
                 <a:solidFill>
                   <a:schemeClr val="accent1">
                     <a:lumMod val="75000"/>
                   </a:schemeClr>
                 </a:solidFill>
               </a:rPr>
-              <a:t>research</a:t>
-            </a:r>
-            <a:r>
-              <a:rPr lang="de-AT" sz="2000" dirty="0" smtClean="0">
-                <a:solidFill>
-                  <a:schemeClr val="accent1">
-                    <a:lumMod val="75000"/>
-                  </a:schemeClr>
-                </a:solidFill>
-              </a:rPr>
-              <a:t> </a:t>
-            </a:r>
-            <a:r>
-              <a:rPr lang="de-AT" sz="2000" dirty="0" err="1" smtClean="0">
-                <a:solidFill>
-                  <a:schemeClr val="accent1">
-                    <a:lumMod val="75000"/>
-                  </a:schemeClr>
-                </a:solidFill>
-              </a:rPr>
-              <a:t>the</a:t>
-            </a:r>
-            <a:r>
-              <a:rPr lang="de-AT" sz="2000" dirty="0" smtClean="0">
-                <a:solidFill>
-                  <a:schemeClr val="accent1">
-                    <a:lumMod val="75000"/>
-                  </a:schemeClr>
-                </a:solidFill>
-              </a:rPr>
-              <a:t> </a:t>
-            </a:r>
-            <a:r>
-              <a:rPr lang="de-AT" sz="2000" dirty="0" err="1" smtClean="0">
-                <a:solidFill>
-                  <a:schemeClr val="accent1">
-                    <a:lumMod val="75000"/>
-                  </a:schemeClr>
-                </a:solidFill>
-              </a:rPr>
-              <a:t>needs</a:t>
-            </a:r>
-            <a:endParaRPr lang="de-AT" sz="2000" dirty="0" smtClean="0">
-              <a:solidFill>
-                <a:schemeClr val="accent1">
-                  <a:lumMod val="75000"/>
-                </a:schemeClr>
-              </a:solidFill>
-            </a:endParaRPr>
-          </a:p>
-          <a:p>
-            <a:pPr marL="0" indent="0">
-              <a:buNone/>
-            </a:pPr>
-            <a:r>
-              <a:rPr lang="de-AT" sz="2000" dirty="0" err="1" smtClean="0">
-                <a:solidFill>
-                  <a:schemeClr val="accent1">
-                    <a:lumMod val="75000"/>
-                  </a:schemeClr>
-                </a:solidFill>
-              </a:rPr>
-              <a:t>define</a:t>
-            </a:r>
-            <a:r>
-              <a:rPr lang="de-AT" sz="2000" dirty="0" smtClean="0">
-                <a:solidFill>
-                  <a:schemeClr val="accent1">
-                    <a:lumMod val="75000"/>
-                  </a:schemeClr>
-                </a:solidFill>
-              </a:rPr>
-              <a:t> </a:t>
-            </a:r>
-            <a:r>
-              <a:rPr lang="de-AT" sz="2000" dirty="0" err="1" smtClean="0">
-                <a:solidFill>
-                  <a:schemeClr val="accent1">
-                    <a:lumMod val="75000"/>
-                  </a:schemeClr>
-                </a:solidFill>
-              </a:rPr>
-              <a:t>components</a:t>
-            </a:r>
-            <a:r>
-              <a:rPr lang="de-AT" sz="2000" dirty="0" smtClean="0">
-                <a:solidFill>
-                  <a:schemeClr val="accent1">
-                    <a:lumMod val="75000"/>
-                  </a:schemeClr>
-                </a:solidFill>
-              </a:rPr>
-              <a:t> </a:t>
-            </a:r>
-            <a:r>
-              <a:rPr lang="de-AT" sz="2000" dirty="0" err="1" smtClean="0">
-                <a:solidFill>
-                  <a:schemeClr val="accent1">
-                    <a:lumMod val="75000"/>
-                  </a:schemeClr>
-                </a:solidFill>
-              </a:rPr>
-              <a:t>of</a:t>
-            </a:r>
-            <a:r>
-              <a:rPr lang="de-AT" sz="2000" dirty="0" smtClean="0">
-                <a:solidFill>
-                  <a:schemeClr val="accent1">
-                    <a:lumMod val="75000"/>
-                  </a:schemeClr>
-                </a:solidFill>
-              </a:rPr>
-              <a:t> </a:t>
-            </a:r>
-            <a:r>
-              <a:rPr lang="de-AT" sz="2000" dirty="0" err="1" smtClean="0">
-                <a:solidFill>
-                  <a:schemeClr val="accent1">
-                    <a:lumMod val="75000"/>
-                  </a:schemeClr>
-                </a:solidFill>
-              </a:rPr>
-              <a:t>application</a:t>
-            </a:r>
-            <a:endParaRPr lang="de-AT" sz="2000" dirty="0" smtClean="0">
-              <a:solidFill>
-                <a:schemeClr val="accent1">
-                  <a:lumMod val="75000"/>
-                </a:schemeClr>
-              </a:solidFill>
-            </a:endParaRPr>
-          </a:p>
-          <a:p>
-            <a:pPr marL="0" indent="0">
-              <a:buNone/>
-            </a:pPr>
-            <a:r>
-              <a:rPr lang="de-AT" sz="2000" dirty="0" err="1" smtClean="0">
-                <a:solidFill>
-                  <a:schemeClr val="accent1">
-                    <a:lumMod val="75000"/>
-                  </a:schemeClr>
-                </a:solidFill>
-              </a:rPr>
-              <a:t>Define</a:t>
-            </a:r>
-            <a:r>
-              <a:rPr lang="de-AT" sz="2000" dirty="0" smtClean="0">
-                <a:solidFill>
-                  <a:schemeClr val="accent1">
-                    <a:lumMod val="75000"/>
-                  </a:schemeClr>
-                </a:solidFill>
-              </a:rPr>
-              <a:t> </a:t>
-            </a:r>
-            <a:r>
-              <a:rPr lang="de-AT" sz="2000" dirty="0" err="1" smtClean="0">
-                <a:solidFill>
-                  <a:schemeClr val="accent1">
-                    <a:lumMod val="75000"/>
-                  </a:schemeClr>
-                </a:solidFill>
-              </a:rPr>
-              <a:t>tasks</a:t>
-            </a:r>
-            <a:r>
-              <a:rPr lang="de-AT" sz="2000" dirty="0" smtClean="0">
-                <a:solidFill>
-                  <a:schemeClr val="accent1">
-                    <a:lumMod val="75000"/>
-                  </a:schemeClr>
-                </a:solidFill>
-              </a:rPr>
-              <a:t>/</a:t>
-            </a:r>
-            <a:r>
-              <a:rPr lang="de-AT" sz="2000" dirty="0" err="1" smtClean="0">
-                <a:solidFill>
-                  <a:schemeClr val="accent1">
-                    <a:lumMod val="75000"/>
-                  </a:schemeClr>
-                </a:solidFill>
-              </a:rPr>
-              <a:t>sprints</a:t>
-            </a:r>
-            <a:endParaRPr lang="de-AT" sz="2000" dirty="0">
-              <a:solidFill>
-                <a:schemeClr val="accent1">
-                  <a:lumMod val="75000"/>
-                </a:schemeClr>
-              </a:solidFill>
-            </a:endParaRPr>
+              <a:t>Define tasks/sprints</a:t>
+            </a:r>
           </a:p>
         </p:txBody>
       </p:sp>
@@ -7731,13 +7461,6 @@
   <p:clrMapOvr>
     <a:masterClrMapping/>
   </p:clrMapOvr>
-  <p:timing>
-    <p:tnLst>
-      <p:par>
-        <p:cTn id="1" dur="indefinite" restart="never" nodeType="tmRoot"/>
-      </p:par>
-    </p:tnLst>
-  </p:timing>
 </p:sld>
 </file>
 
@@ -7774,101 +7497,36 @@
           <a:lstStyle/>
           <a:p>
             <a:r>
-              <a:rPr lang="de-AT" dirty="0" smtClean="0"/>
+              <a:rPr lang="de-AT" dirty="0"/>
               <a:t>Task </a:t>
             </a:r>
             <a:r>
-              <a:rPr lang="de-AT" dirty="0" err="1" smtClean="0"/>
-              <a:t>record</a:t>
-            </a:r>
-            <a:r>
-              <a:rPr lang="de-AT" dirty="0" smtClean="0"/>
-              <a:t> </a:t>
-            </a:r>
-            <a:r>
-              <a:rPr lang="de-AT" sz="1800" dirty="0" smtClean="0">
+              <a:rPr lang="en-GB" dirty="0"/>
+              <a:t>record </a:t>
+            </a:r>
+            <a:r>
+              <a:rPr lang="en-GB" sz="1800" dirty="0">
                 <a:solidFill>
                   <a:schemeClr val="accent1">
                     <a:lumMod val="75000"/>
                   </a:schemeClr>
                 </a:solidFill>
               </a:rPr>
-              <a:t>-</a:t>
-            </a:r>
-            <a:r>
-              <a:rPr lang="de-AT" sz="1800" dirty="0" err="1" smtClean="0">
+              <a:t>- for the overview</a:t>
+            </a:r>
+            <a:br>
+              <a:rPr lang="de-AT" sz="1600" dirty="0">
                 <a:solidFill>
                   <a:schemeClr val="accent1">
                     <a:lumMod val="75000"/>
                   </a:schemeClr>
                 </a:solidFill>
               </a:rPr>
-              <a:t>for</a:t>
-            </a:r>
-            <a:r>
-              <a:rPr lang="de-AT" sz="1800" dirty="0" smtClean="0">
-                <a:solidFill>
-                  <a:schemeClr val="accent1">
-                    <a:lumMod val="75000"/>
-                  </a:schemeClr>
-                </a:solidFill>
-              </a:rPr>
+            </a:br>
+            <a:r>
+              <a:rPr lang="de-AT" dirty="0"/>
               <a:t> </a:t>
             </a:r>
-            <a:r>
-              <a:rPr lang="de-AT" sz="1800" dirty="0" err="1">
-                <a:solidFill>
-                  <a:schemeClr val="accent1">
-                    <a:lumMod val="75000"/>
-                  </a:schemeClr>
-                </a:solidFill>
-              </a:rPr>
-              <a:t>the</a:t>
-            </a:r>
-            <a:r>
-              <a:rPr lang="de-AT" sz="1800" dirty="0">
-                <a:solidFill>
-                  <a:schemeClr val="accent1">
-                    <a:lumMod val="75000"/>
-                  </a:schemeClr>
-                </a:solidFill>
-              </a:rPr>
-              <a:t> </a:t>
-            </a:r>
-            <a:r>
-              <a:rPr lang="de-AT" sz="1800" dirty="0" err="1">
-                <a:solidFill>
-                  <a:schemeClr val="accent1">
-                    <a:lumMod val="75000"/>
-                  </a:schemeClr>
-                </a:solidFill>
-              </a:rPr>
-              <a:t>overview</a:t>
-            </a:r>
-            <a:r>
-              <a:rPr lang="de-AT" sz="1600" dirty="0">
-                <a:solidFill>
-                  <a:schemeClr val="accent1">
-                    <a:lumMod val="75000"/>
-                  </a:schemeClr>
-                </a:solidFill>
-              </a:rPr>
-              <a:t/>
-            </a:r>
-            <a:br>
-              <a:rPr lang="de-AT" sz="1600" dirty="0">
-                <a:solidFill>
-                  <a:schemeClr val="accent1">
-                    <a:lumMod val="75000"/>
-                  </a:schemeClr>
-                </a:solidFill>
-              </a:rPr>
-            </a:br>
-            <a:r>
-              <a:rPr lang="de-AT" dirty="0" smtClean="0"/>
-              <a:t> </a:t>
-            </a:r>
-            <a:endParaRPr lang="de-AT" dirty="0"/>
           </a:p>
         </p:txBody>
       </p:sp>
@@ -8225,62 +7883,15 @@
               <a:buNone/>
             </a:pPr>
             <a:r>
-              <a:rPr lang="de-AT" sz="2000" dirty="0" err="1" smtClean="0">
+              <a:rPr lang="en-GB" sz="2000" dirty="0">
                 <a:solidFill>
                   <a:schemeClr val="accent1">
                     <a:lumMod val="75000"/>
                   </a:schemeClr>
                 </a:solidFill>
               </a:rPr>
-              <a:t>To</a:t>
-            </a:r>
-            <a:r>
-              <a:rPr lang="de-AT" sz="2000" dirty="0" smtClean="0">
-                <a:solidFill>
-                  <a:schemeClr val="accent1">
-                    <a:lumMod val="75000"/>
-                  </a:schemeClr>
-                </a:solidFill>
-              </a:rPr>
-              <a:t> do, </a:t>
-            </a:r>
-            <a:r>
-              <a:rPr lang="de-AT" sz="2000" dirty="0" err="1" smtClean="0">
-                <a:solidFill>
-                  <a:schemeClr val="accent1">
-                    <a:lumMod val="75000"/>
-                  </a:schemeClr>
-                </a:solidFill>
-              </a:rPr>
-              <a:t>doing</a:t>
-            </a:r>
-            <a:r>
-              <a:rPr lang="de-AT" sz="2000" dirty="0" smtClean="0">
-                <a:solidFill>
-                  <a:schemeClr val="accent1">
-                    <a:lumMod val="75000"/>
-                  </a:schemeClr>
-                </a:solidFill>
-              </a:rPr>
-              <a:t>, </a:t>
-            </a:r>
-            <a:r>
-              <a:rPr lang="de-AT" sz="2000" dirty="0" err="1" smtClean="0">
-                <a:solidFill>
-                  <a:schemeClr val="accent1">
-                    <a:lumMod val="75000"/>
-                  </a:schemeClr>
-                </a:solidFill>
-              </a:rPr>
-              <a:t>done</a:t>
-            </a:r>
-            <a:endParaRPr lang="de-AT" sz="2000" dirty="0">
-              <a:solidFill>
-                <a:schemeClr val="accent1">
-                  <a:lumMod val="75000"/>
-                </a:schemeClr>
-              </a:solidFill>
-            </a:endParaRPr>
+              <a:t>To do, doing, done</a:t>
+            </a:r>
           </a:p>
         </p:txBody>
       </p:sp>
@@ -8294,13 +7905,6 @@
   <p:clrMapOvr>
     <a:masterClrMapping/>
   </p:clrMapOvr>
-  <p:timing>
-    <p:tnLst>
-      <p:par>
-        <p:cTn id="1" dur="indefinite" restart="never" nodeType="tmRoot"/>
-      </p:par>
-    </p:tnLst>
-  </p:timing>
 </p:sld>
 </file>
 
@@ -8411,34 +8015,9 @@
           <a:lstStyle/>
           <a:p>
             <a:r>
-              <a:rPr lang="de-AT" dirty="0" err="1"/>
-              <a:t>allocation</a:t>
-            </a:r>
-            <a:r>
-              <a:rPr lang="de-AT" dirty="0"/>
-              <a:t> </a:t>
-            </a:r>
-            <a:r>
-              <a:rPr lang="de-AT" dirty="0" err="1"/>
-              <a:t>of</a:t>
-            </a:r>
-            <a:r>
-              <a:rPr lang="de-AT" dirty="0"/>
-              <a:t> </a:t>
-            </a:r>
-            <a:r>
-              <a:rPr lang="de-AT" dirty="0" err="1" smtClean="0"/>
-              <a:t>components</a:t>
-            </a:r>
-            <a:r>
-              <a:rPr lang="de-AT" dirty="0" smtClean="0"/>
-              <a:t>/</a:t>
-            </a:r>
-            <a:r>
-              <a:rPr lang="de-AT" dirty="0" err="1" smtClean="0"/>
-              <a:t>tasks</a:t>
-            </a:r>
-            <a:endParaRPr lang="de-AT" dirty="0"/>
+              <a:rPr lang="en-GB" dirty="0"/>
+              <a:t>allocation of components/tasks</a:t>
+            </a:r>
           </a:p>
         </p:txBody>
       </p:sp>
@@ -8692,7 +8271,7 @@
           </a:lstStyle>
           <a:p>
             <a:r>
-              <a:rPr lang="de-AT" dirty="0" smtClean="0">
+              <a:rPr lang="de-AT" dirty="0">
                 <a:solidFill>
                   <a:schemeClr val="bg2">
                     <a:lumMod val="50000"/>
@@ -8702,54 +8281,14 @@
               <a:t>Steven Markhardt:   </a:t>
             </a:r>
             <a:r>
-              <a:rPr lang="de-AT" dirty="0" err="1" smtClean="0">
+              <a:rPr lang="en-GB" dirty="0">
                 <a:solidFill>
                   <a:schemeClr val="tx1"/>
                 </a:solidFill>
               </a:rPr>
-              <a:t>database</a:t>
-            </a:r>
-            <a:r>
-              <a:rPr lang="de-AT" dirty="0" smtClean="0">
-                <a:solidFill>
-                  <a:schemeClr val="tx1"/>
-                </a:solidFill>
-              </a:rPr>
-              <a:t>, </a:t>
-            </a:r>
-            <a:r>
-              <a:rPr lang="de-AT" dirty="0" err="1" smtClean="0">
-                <a:solidFill>
-                  <a:schemeClr val="tx1"/>
-                </a:solidFill>
-              </a:rPr>
-              <a:t>user</a:t>
-            </a:r>
-            <a:r>
-              <a:rPr lang="de-AT" dirty="0" smtClean="0">
-                <a:solidFill>
-                  <a:schemeClr val="tx1"/>
-                </a:solidFill>
-              </a:rPr>
-              <a:t>, </a:t>
-            </a:r>
-            <a:r>
-              <a:rPr lang="de-AT" dirty="0" err="1">
-                <a:solidFill>
-                  <a:schemeClr val="tx1"/>
-                </a:solidFill>
-              </a:rPr>
-              <a:t>l</a:t>
-            </a:r>
-            <a:r>
-              <a:rPr lang="de-AT" dirty="0" err="1" smtClean="0">
-                <a:solidFill>
-                  <a:schemeClr val="tx1"/>
-                </a:solidFill>
-              </a:rPr>
-              <a:t>ogin</a:t>
-            </a:r>
-            <a:endParaRPr lang="de-AT" dirty="0" smtClean="0">
+              <a:t>database, admin functions, user, login</a:t>
+            </a:r>
+            <a:endParaRPr lang="en-GB" dirty="0">
               <a:solidFill>
                 <a:schemeClr val="bg2">
                   <a:lumMod val="50000"/>
@@ -8762,56 +8301,44 @@
               <a:buNone/>
             </a:pPr>
             <a:r>
-              <a:rPr lang="de-AT" sz="1800" dirty="0" smtClean="0">
+              <a:rPr lang="en-GB" sz="1800" dirty="0">
                 <a:solidFill>
                   <a:schemeClr val="bg2">
                     <a:lumMod val="50000"/>
                   </a:schemeClr>
                 </a:solidFill>
               </a:rPr>
-              <a:t>Markus Kaspar:   </a:t>
-            </a:r>
-            <a:r>
-              <a:rPr lang="de-AT" sz="1800" dirty="0" err="1">
+              <a:t>Markus </a:t>
+            </a:r>
+            <a:r>
+              <a:rPr lang="en-GB" sz="1800" dirty="0" err="1">
+                <a:solidFill>
+                  <a:schemeClr val="bg2">
+                    <a:lumMod val="50000"/>
+                  </a:schemeClr>
+                </a:solidFill>
+              </a:rPr>
+              <a:t>Kaspar</a:t>
+            </a:r>
+            <a:r>
+              <a:rPr lang="en-GB" sz="1800" dirty="0">
+                <a:solidFill>
+                  <a:schemeClr val="bg2">
+                    <a:lumMod val="50000"/>
+                  </a:schemeClr>
+                </a:solidFill>
+              </a:rPr>
+              <a:t>:   </a:t>
+            </a:r>
+            <a:r>
+              <a:rPr lang="en-GB" sz="1800" dirty="0">
                 <a:solidFill>
                   <a:schemeClr val="tx1"/>
                 </a:solidFill>
               </a:rPr>
-              <a:t>b</a:t>
-            </a:r>
-            <a:r>
-              <a:rPr lang="de-AT" sz="1800" dirty="0" err="1" smtClean="0">
-                <a:solidFill>
-                  <a:schemeClr val="tx1"/>
-                </a:solidFill>
-              </a:rPr>
-              <a:t>ooking</a:t>
-            </a:r>
-            <a:r>
-              <a:rPr lang="de-AT" sz="1800" dirty="0" smtClean="0">
-                <a:solidFill>
-                  <a:schemeClr val="tx1"/>
-                </a:solidFill>
-              </a:rPr>
-              <a:t> </a:t>
-            </a:r>
-            <a:r>
-              <a:rPr lang="de-AT" sz="1800" dirty="0" err="1">
-                <a:solidFill>
-                  <a:schemeClr val="tx1"/>
-                </a:solidFill>
-              </a:rPr>
-              <a:t>f</a:t>
-            </a:r>
-            <a:r>
-              <a:rPr lang="de-AT" sz="1800" dirty="0" err="1" smtClean="0">
-                <a:solidFill>
-                  <a:schemeClr val="tx1"/>
-                </a:solidFill>
-              </a:rPr>
-              <a:t>unction</a:t>
-            </a:r>
-            <a:endParaRPr lang="de-AT" sz="1800" dirty="0" smtClean="0">
+              <a:t>booking function, autocomplete from DB,</a:t>
+            </a:r>
+            <a:endParaRPr lang="en-GB" sz="1800" dirty="0">
               <a:solidFill>
                 <a:schemeClr val="bg2">
                   <a:lumMod val="50000"/>
@@ -8824,7 +8351,7 @@
               <a:buNone/>
             </a:pPr>
             <a:r>
-              <a:rPr lang="de-AT" sz="1800" dirty="0" smtClean="0">
+              <a:rPr lang="en-GB" sz="1800" dirty="0">
                 <a:solidFill>
                   <a:schemeClr val="bg2">
                     <a:lumMod val="50000"/>
@@ -8834,70 +8361,14 @@
               <a:t> Max Drewitz:   </a:t>
             </a:r>
             <a:r>
-              <a:rPr lang="de-AT" sz="1800" dirty="0" err="1" smtClean="0">
+              <a:rPr lang="en-GB" sz="1800" dirty="0">
                 <a:solidFill>
                   <a:schemeClr val="tx1"/>
                 </a:solidFill>
               </a:rPr>
-              <a:t>main</a:t>
-            </a:r>
-            <a:r>
-              <a:rPr lang="de-AT" sz="1800" dirty="0" smtClean="0">
-                <a:solidFill>
-                  <a:schemeClr val="tx1"/>
-                </a:solidFill>
-              </a:rPr>
-              <a:t> </a:t>
-            </a:r>
-            <a:r>
-              <a:rPr lang="de-AT" sz="1800" dirty="0" err="1">
-                <a:solidFill>
-                  <a:schemeClr val="tx1"/>
-                </a:solidFill>
-              </a:rPr>
-              <a:t>f</a:t>
-            </a:r>
-            <a:r>
-              <a:rPr lang="de-AT" sz="1800" dirty="0" err="1" smtClean="0">
-                <a:solidFill>
-                  <a:schemeClr val="tx1"/>
-                </a:solidFill>
-              </a:rPr>
-              <a:t>unction</a:t>
-            </a:r>
-            <a:r>
-              <a:rPr lang="de-AT" sz="1800" dirty="0" smtClean="0">
-                <a:solidFill>
-                  <a:schemeClr val="tx1"/>
-                </a:solidFill>
-              </a:rPr>
-              <a:t>, </a:t>
-            </a:r>
-            <a:r>
-              <a:rPr lang="de-AT" sz="1800" dirty="0" err="1" smtClean="0">
-                <a:solidFill>
-                  <a:schemeClr val="tx1"/>
-                </a:solidFill>
-              </a:rPr>
-              <a:t>overview</a:t>
-            </a:r>
-            <a:r>
-              <a:rPr lang="de-AT" sz="1800" dirty="0" smtClean="0">
-                <a:solidFill>
-                  <a:schemeClr val="tx1"/>
-                </a:solidFill>
-              </a:rPr>
-              <a:t>, </a:t>
-            </a:r>
-            <a:r>
-              <a:rPr lang="de-AT" sz="1800" dirty="0" err="1" smtClean="0">
-                <a:solidFill>
-                  <a:schemeClr val="tx1"/>
-                </a:solidFill>
-              </a:rPr>
-              <a:t>troublshooting</a:t>
-            </a:r>
-            <a:endParaRPr lang="de-AT" sz="1800" dirty="0" smtClean="0">
+              <a:t>main function, overview, troubleshooting</a:t>
+            </a:r>
+            <a:endParaRPr lang="en-GB" sz="1800" dirty="0">
               <a:solidFill>
                 <a:schemeClr val="bg2">
                   <a:lumMod val="50000"/>
@@ -8910,7 +8381,7 @@
               <a:buNone/>
             </a:pPr>
             <a:r>
-              <a:rPr lang="de-AT" sz="1800" dirty="0" smtClean="0">
+              <a:rPr lang="en-GB" sz="1800" dirty="0">
                 <a:solidFill>
                   <a:schemeClr val="bg2">
                     <a:lumMod val="50000"/>
@@ -8920,47 +8391,15 @@
               <a:t>  Roman Springer:   </a:t>
             </a:r>
             <a:r>
-              <a:rPr lang="de-AT" sz="1800" dirty="0" smtClean="0">
+              <a:rPr lang="en-GB" sz="1800" dirty="0">
                 <a:solidFill>
                   <a:schemeClr val="tx1"/>
                 </a:solidFill>
               </a:rPr>
-              <a:t>GUI, extra Services, </a:t>
-            </a:r>
-            <a:r>
-              <a:rPr lang="de-AT" sz="1800" dirty="0" err="1" smtClean="0">
-                <a:solidFill>
-                  <a:schemeClr val="tx1"/>
-                </a:solidFill>
-              </a:rPr>
-              <a:t>invoic</a:t>
-            </a:r>
-            <a:r>
-              <a:rPr lang="de-AT" sz="1800" dirty="0">
-                <a:solidFill>
-                  <a:schemeClr val="tx1"/>
-                </a:solidFill>
-              </a:rPr>
-              <a:t> </a:t>
-            </a:r>
-            <a:r>
-              <a:rPr lang="de-AT" sz="1800" dirty="0" err="1" smtClean="0">
-                <a:solidFill>
-                  <a:schemeClr val="tx1"/>
-                </a:solidFill>
-              </a:rPr>
-              <a:t>function</a:t>
-            </a:r>
-            <a:r>
-              <a:rPr lang="de-AT" sz="1800" dirty="0" smtClean="0">
-                <a:solidFill>
-                  <a:schemeClr val="tx1"/>
-                </a:solidFill>
-              </a:rPr>
-              <a:t> </a:t>
-            </a:r>
-            <a:r>
-              <a:rPr lang="de-AT" sz="1800" dirty="0" smtClean="0">
+              <a:t>GUI, extra Services, invoice function </a:t>
+            </a:r>
+            <a:r>
+              <a:rPr lang="en-GB" sz="1800" dirty="0">
                 <a:solidFill>
                   <a:schemeClr val="bg2">
                     <a:lumMod val="50000"/>
@@ -8969,13 +8408,6 @@
               </a:rPr>
               <a:t> </a:t>
             </a:r>
-            <a:endParaRPr lang="de-AT" sz="1800" dirty="0">
-              <a:solidFill>
-                <a:schemeClr val="bg2">
-                  <a:lumMod val="50000"/>
-                </a:schemeClr>
-              </a:solidFill>
-            </a:endParaRPr>
           </a:p>
         </p:txBody>
       </p:sp>
@@ -8993,6 +8425,143 @@
 </file>
 
 <file path=ppt/slides/slide6.xml><?xml version="1.0" encoding="utf-8"?>
+<p:sld xmlns:a="http://schemas.openxmlformats.org/drawingml/2006/main" xmlns:r="http://schemas.openxmlformats.org/officeDocument/2006/relationships" xmlns:p="http://schemas.openxmlformats.org/presentationml/2006/main">
+  <p:cSld>
+    <p:spTree>
+      <p:nvGrpSpPr>
+        <p:cNvPr id="1" name=""/>
+        <p:cNvGrpSpPr/>
+        <p:nvPr/>
+      </p:nvGrpSpPr>
+      <p:grpSpPr>
+        <a:xfrm>
+          <a:off x="0" y="0"/>
+          <a:ext cx="0" cy="0"/>
+          <a:chOff x="0" y="0"/>
+          <a:chExt cx="0" cy="0"/>
+        </a:xfrm>
+      </p:grpSpPr>
+      <p:sp>
+        <p:nvSpPr>
+          <p:cNvPr id="2" name="Titel 1">
+            <a:extLst>
+              <a:ext uri="{FF2B5EF4-FFF2-40B4-BE49-F238E27FC236}">
+                <a16:creationId xmlns:a16="http://schemas.microsoft.com/office/drawing/2014/main" id="{572B09D4-FEA3-49E9-9403-1FBE5864C35D}"/>
+              </a:ext>
+            </a:extLst>
+          </p:cNvPr>
+          <p:cNvSpPr>
+            <a:spLocks noGrp="1"/>
+          </p:cNvSpPr>
+          <p:nvPr>
+            <p:ph type="title"/>
+          </p:nvPr>
+        </p:nvSpPr>
+        <p:spPr/>
+        <p:txBody>
+          <a:bodyPr/>
+          <a:lstStyle/>
+          <a:p>
+            <a:r>
+              <a:rPr lang="en-GB" dirty="0"/>
+              <a:t>Before we continue..</a:t>
+            </a:r>
+          </a:p>
+        </p:txBody>
+      </p:sp>
+      <p:sp>
+        <p:nvSpPr>
+          <p:cNvPr id="3" name="Inhaltsplatzhalter 2">
+            <a:extLst>
+              <a:ext uri="{FF2B5EF4-FFF2-40B4-BE49-F238E27FC236}">
+                <a16:creationId xmlns:a16="http://schemas.microsoft.com/office/drawing/2014/main" id="{40A1209C-0644-4327-80FD-8E0E0D44E862}"/>
+              </a:ext>
+            </a:extLst>
+          </p:cNvPr>
+          <p:cNvSpPr>
+            <a:spLocks noGrp="1"/>
+          </p:cNvSpPr>
+          <p:nvPr>
+            <p:ph idx="1"/>
+          </p:nvPr>
+        </p:nvSpPr>
+        <p:spPr/>
+        <p:txBody>
+          <a:bodyPr/>
+          <a:lstStyle/>
+          <a:p>
+            <a:r>
+              <a:rPr lang="en-GB" dirty="0"/>
+              <a:t>A Day at Null Pointer Hotels!</a:t>
+            </a:r>
+          </a:p>
+          <a:p>
+            <a:endParaRPr lang="en-GB" dirty="0"/>
+          </a:p>
+          <a:p>
+            <a:r>
+              <a:rPr lang="en-GB" dirty="0"/>
+              <a:t>Featuring:</a:t>
+            </a:r>
+            <a:br>
+              <a:rPr lang="en-GB" dirty="0"/>
+            </a:br>
+            <a:r>
+              <a:rPr lang="en-GB" dirty="0"/>
+              <a:t>Receptionist Markus</a:t>
+            </a:r>
+            <a:br>
+              <a:rPr lang="en-GB" dirty="0"/>
+            </a:br>
+            <a:r>
+              <a:rPr lang="en-GB" dirty="0"/>
+              <a:t>Intern: Roman</a:t>
+            </a:r>
+            <a:br>
+              <a:rPr lang="en-GB" dirty="0"/>
+            </a:br>
+            <a:r>
+              <a:rPr lang="en-GB" dirty="0"/>
+              <a:t>Manager: Steven</a:t>
+            </a:r>
+            <a:br>
+              <a:rPr lang="en-GB" dirty="0"/>
+            </a:br>
+            <a:r>
+              <a:rPr lang="en-GB" dirty="0"/>
+              <a:t>Guest A: Max</a:t>
+            </a:r>
+            <a:br>
+              <a:rPr lang="en-GB" dirty="0"/>
+            </a:br>
+            <a:r>
+              <a:rPr lang="en-GB" dirty="0"/>
+              <a:t>Guest B: Steven</a:t>
+            </a:r>
+            <a:br>
+              <a:rPr lang="en-GB" dirty="0"/>
+            </a:br>
+            <a:r>
+              <a:rPr lang="en-GB" dirty="0"/>
+              <a:t>Guest C: Max</a:t>
+            </a:r>
+          </a:p>
+        </p:txBody>
+      </p:sp>
+    </p:spTree>
+    <p:extLst>
+      <p:ext uri="{BB962C8B-B14F-4D97-AF65-F5344CB8AC3E}">
+        <p14:creationId xmlns:p14="http://schemas.microsoft.com/office/powerpoint/2010/main" val="1881817649"/>
+      </p:ext>
+    </p:extLst>
+  </p:cSld>
+  <p:clrMapOvr>
+    <a:masterClrMapping/>
+  </p:clrMapOvr>
+</p:sld>
+</file>
+
+<file path=ppt/slides/slide7.xml><?xml version="1.0" encoding="utf-8"?>
 <p:sld xmlns:a="http://schemas.openxmlformats.org/drawingml/2006/main" xmlns:r="http://schemas.openxmlformats.org/officeDocument/2006/relationships" xmlns:p="http://schemas.openxmlformats.org/presentationml/2006/main">
   <p:cSld>
     <p:spTree>
@@ -9127,18 +8696,14 @@
           <a:lstStyle/>
           <a:p>
             <a:r>
-              <a:rPr lang="de-AT" dirty="0" err="1" smtClean="0"/>
+              <a:rPr lang="de-AT" dirty="0" err="1"/>
               <a:t>Some</a:t>
             </a:r>
-            <a:r>
-              <a:rPr lang="de-AT" dirty="0" smtClean="0"/>
-              <a:t/>
-            </a:r>
             <a:br>
-              <a:rPr lang="de-AT" dirty="0" smtClean="0"/>
+              <a:rPr lang="de-AT" dirty="0"/>
             </a:br>
             <a:r>
-              <a:rPr lang="de-AT" dirty="0" err="1" smtClean="0"/>
+              <a:rPr lang="de-AT" dirty="0" err="1"/>
               <a:t>features</a:t>
             </a:r>
             <a:endParaRPr lang="de-AT" dirty="0"/>
@@ -9194,7 +8759,7 @@
 </p:sld>
 </file>
 
-<file path=ppt/slides/slide7.xml><?xml version="1.0" encoding="utf-8"?>
+<file path=ppt/slides/slide8.xml><?xml version="1.0" encoding="utf-8"?>
 <p:sld xmlns:a="http://schemas.openxmlformats.org/drawingml/2006/main" xmlns:r="http://schemas.openxmlformats.org/officeDocument/2006/relationships" xmlns:p="http://schemas.openxmlformats.org/presentationml/2006/main">
   <p:cSld>
     <p:spTree>
@@ -9234,22 +8799,21 @@
           <a:lstStyle/>
           <a:p>
             <a:r>
-              <a:rPr lang="de-AT" dirty="0" err="1" smtClean="0"/>
+              <a:rPr lang="de-AT" dirty="0" err="1"/>
               <a:t>We</a:t>
             </a:r>
             <a:r>
-              <a:rPr lang="de-AT" dirty="0" smtClean="0"/>
+              <a:rPr lang="de-AT" dirty="0"/>
               <a:t> </a:t>
             </a:r>
             <a:r>
-              <a:rPr lang="de-AT" dirty="0" err="1" smtClean="0"/>
-              <a:t>lerarned</a:t>
-            </a:r>
-            <a:r>
-              <a:rPr lang="de-AT" dirty="0" smtClean="0"/>
+              <a:rPr lang="de-AT" dirty="0" err="1"/>
+              <a:t>learned</a:t>
+            </a:r>
+            <a:r>
+              <a:rPr lang="de-AT" dirty="0"/>
               <a:t>:</a:t>
             </a:r>
-            <a:endParaRPr lang="de-AT" dirty="0"/>
           </a:p>
         </p:txBody>
       </p:sp>
@@ -9503,12 +9067,370 @@
           </a:lstStyle>
           <a:p>
             <a:r>
-              <a:rPr lang="de-AT" dirty="0" smtClean="0">
+              <a:rPr lang="de-AT" dirty="0" err="1">
                 <a:solidFill>
                   <a:schemeClr val="tx1"/>
                 </a:solidFill>
               </a:rPr>
-              <a:t>….</a:t>
+              <a:t>Exception</a:t>
+            </a:r>
+            <a:r>
+              <a:rPr lang="de-AT" dirty="0">
+                <a:solidFill>
+                  <a:schemeClr val="tx1"/>
+                </a:solidFill>
+              </a:rPr>
+              <a:t> (</a:t>
+            </a:r>
+            <a:r>
+              <a:rPr lang="de-AT" dirty="0" err="1">
+                <a:solidFill>
+                  <a:schemeClr val="tx1"/>
+                </a:solidFill>
+              </a:rPr>
+              <a:t>Red</a:t>
+            </a:r>
+            <a:r>
+              <a:rPr lang="de-AT" dirty="0">
+                <a:solidFill>
+                  <a:schemeClr val="tx1"/>
+                </a:solidFill>
+              </a:rPr>
+              <a:t> Code) Handling</a:t>
+            </a:r>
+          </a:p>
+          <a:p>
+            <a:r>
+              <a:rPr lang="de-AT" sz="1800" dirty="0">
+                <a:solidFill>
+                  <a:schemeClr val="tx1"/>
+                </a:solidFill>
+              </a:rPr>
+              <a:t>SQL </a:t>
+            </a:r>
+            <a:r>
+              <a:rPr lang="de-AT" sz="1800" dirty="0" err="1">
+                <a:solidFill>
+                  <a:schemeClr val="tx1"/>
+                </a:solidFill>
+              </a:rPr>
+              <a:t>Queries</a:t>
+            </a:r>
+            <a:r>
+              <a:rPr lang="de-AT" sz="1800" dirty="0">
+                <a:solidFill>
+                  <a:schemeClr val="tx1"/>
+                </a:solidFill>
+              </a:rPr>
+              <a:t>.</a:t>
+            </a:r>
+          </a:p>
+          <a:p>
+            <a:r>
+              <a:rPr lang="de-AT" dirty="0">
+                <a:solidFill>
+                  <a:schemeClr val="tx1"/>
+                </a:solidFill>
+              </a:rPr>
+              <a:t>„A </a:t>
+            </a:r>
+            <a:r>
+              <a:rPr lang="de-AT" dirty="0" err="1">
+                <a:solidFill>
+                  <a:schemeClr val="tx1"/>
+                </a:solidFill>
+              </a:rPr>
+              <a:t>good</a:t>
+            </a:r>
+            <a:r>
+              <a:rPr lang="de-AT" dirty="0">
+                <a:solidFill>
+                  <a:schemeClr val="tx1"/>
+                </a:solidFill>
+              </a:rPr>
+              <a:t> DB </a:t>
+            </a:r>
+            <a:r>
+              <a:rPr lang="de-AT" dirty="0" err="1">
+                <a:solidFill>
+                  <a:schemeClr val="tx1"/>
+                </a:solidFill>
+              </a:rPr>
+              <a:t>spares</a:t>
+            </a:r>
+            <a:r>
+              <a:rPr lang="de-AT" dirty="0">
+                <a:solidFill>
+                  <a:schemeClr val="tx1"/>
+                </a:solidFill>
+              </a:rPr>
+              <a:t> </a:t>
+            </a:r>
+            <a:r>
+              <a:rPr lang="de-AT" dirty="0" err="1">
+                <a:solidFill>
+                  <a:schemeClr val="tx1"/>
+                </a:solidFill>
+              </a:rPr>
+              <a:t>you</a:t>
+            </a:r>
+            <a:r>
+              <a:rPr lang="de-AT" dirty="0">
+                <a:solidFill>
+                  <a:schemeClr val="tx1"/>
+                </a:solidFill>
+              </a:rPr>
+              <a:t> a </a:t>
+            </a:r>
+            <a:r>
+              <a:rPr lang="de-AT" dirty="0" err="1">
+                <a:solidFill>
+                  <a:schemeClr val="tx1"/>
+                </a:solidFill>
+              </a:rPr>
+              <a:t>lot</a:t>
+            </a:r>
+            <a:r>
+              <a:rPr lang="de-AT" dirty="0">
+                <a:solidFill>
+                  <a:schemeClr val="tx1"/>
+                </a:solidFill>
+              </a:rPr>
+              <a:t> </a:t>
+            </a:r>
+            <a:r>
+              <a:rPr lang="de-AT" dirty="0" err="1">
+                <a:solidFill>
+                  <a:schemeClr val="tx1"/>
+                </a:solidFill>
+              </a:rPr>
+              <a:t>of</a:t>
+            </a:r>
+            <a:r>
+              <a:rPr lang="de-AT" dirty="0">
+                <a:solidFill>
+                  <a:schemeClr val="tx1"/>
+                </a:solidFill>
+              </a:rPr>
+              <a:t> </a:t>
+            </a:r>
+            <a:r>
+              <a:rPr lang="de-AT" dirty="0" err="1">
+                <a:solidFill>
+                  <a:schemeClr val="tx1"/>
+                </a:solidFill>
+              </a:rPr>
+              <a:t>work</a:t>
+            </a:r>
+            <a:r>
+              <a:rPr lang="de-AT" dirty="0">
+                <a:solidFill>
+                  <a:schemeClr val="tx1"/>
+                </a:solidFill>
+              </a:rPr>
+              <a:t>. So </a:t>
+            </a:r>
+            <a:r>
+              <a:rPr lang="de-AT" dirty="0" err="1">
+                <a:solidFill>
+                  <a:schemeClr val="tx1"/>
+                </a:solidFill>
+              </a:rPr>
+              <a:t>we</a:t>
+            </a:r>
+            <a:r>
+              <a:rPr lang="de-AT" dirty="0">
+                <a:solidFill>
+                  <a:schemeClr val="tx1"/>
+                </a:solidFill>
+              </a:rPr>
+              <a:t> </a:t>
+            </a:r>
+            <a:r>
+              <a:rPr lang="de-AT" dirty="0" err="1">
+                <a:solidFill>
+                  <a:schemeClr val="tx1"/>
+                </a:solidFill>
+              </a:rPr>
+              <a:t>did</a:t>
+            </a:r>
+            <a:r>
+              <a:rPr lang="de-AT" dirty="0">
+                <a:solidFill>
+                  <a:schemeClr val="tx1"/>
+                </a:solidFill>
+              </a:rPr>
+              <a:t> a </a:t>
+            </a:r>
+            <a:r>
+              <a:rPr lang="de-AT" dirty="0" err="1">
+                <a:solidFill>
+                  <a:schemeClr val="tx1"/>
+                </a:solidFill>
+              </a:rPr>
+              <a:t>lot</a:t>
+            </a:r>
+            <a:r>
+              <a:rPr lang="de-AT" dirty="0">
+                <a:solidFill>
+                  <a:schemeClr val="tx1"/>
+                </a:solidFill>
+              </a:rPr>
+              <a:t> </a:t>
+            </a:r>
+            <a:r>
+              <a:rPr lang="de-AT" dirty="0" err="1">
+                <a:solidFill>
+                  <a:schemeClr val="tx1"/>
+                </a:solidFill>
+              </a:rPr>
+              <a:t>of</a:t>
+            </a:r>
+            <a:r>
+              <a:rPr lang="de-AT" dirty="0">
+                <a:solidFill>
+                  <a:schemeClr val="tx1"/>
+                </a:solidFill>
+              </a:rPr>
+              <a:t> </a:t>
+            </a:r>
+            <a:r>
+              <a:rPr lang="de-AT" dirty="0" err="1">
+                <a:solidFill>
+                  <a:schemeClr val="tx1"/>
+                </a:solidFill>
+              </a:rPr>
+              <a:t>work</a:t>
+            </a:r>
+            <a:r>
+              <a:rPr lang="de-AT" dirty="0">
+                <a:solidFill>
+                  <a:schemeClr val="tx1"/>
+                </a:solidFill>
+              </a:rPr>
+              <a:t>.“</a:t>
+            </a:r>
+          </a:p>
+          <a:p>
+            <a:r>
+              <a:rPr lang="de-AT" sz="1800" dirty="0" err="1">
+                <a:solidFill>
+                  <a:schemeClr val="tx1"/>
+                </a:solidFill>
+              </a:rPr>
+              <a:t>Trying</a:t>
+            </a:r>
+            <a:r>
+              <a:rPr lang="de-AT" sz="1800" dirty="0">
+                <a:solidFill>
+                  <a:schemeClr val="tx1"/>
+                </a:solidFill>
+              </a:rPr>
+              <a:t> </a:t>
+            </a:r>
+            <a:r>
+              <a:rPr lang="de-AT" sz="1800" dirty="0" err="1">
+                <a:solidFill>
+                  <a:schemeClr val="tx1"/>
+                </a:solidFill>
+              </a:rPr>
+              <a:t>to</a:t>
+            </a:r>
+            <a:r>
+              <a:rPr lang="de-AT" sz="1800" dirty="0">
+                <a:solidFill>
+                  <a:schemeClr val="tx1"/>
+                </a:solidFill>
+              </a:rPr>
+              <a:t> </a:t>
+            </a:r>
+            <a:r>
+              <a:rPr lang="de-AT" sz="1800" dirty="0" err="1">
+                <a:solidFill>
+                  <a:schemeClr val="tx1"/>
+                </a:solidFill>
+              </a:rPr>
+              <a:t>avoid</a:t>
+            </a:r>
+            <a:r>
+              <a:rPr lang="de-AT" sz="1800" dirty="0">
+                <a:solidFill>
+                  <a:schemeClr val="tx1"/>
+                </a:solidFill>
+              </a:rPr>
+              <a:t> </a:t>
+            </a:r>
+            <a:r>
+              <a:rPr lang="de-AT" sz="1800" dirty="0" err="1">
+                <a:solidFill>
+                  <a:schemeClr val="tx1"/>
+                </a:solidFill>
+              </a:rPr>
+              <a:t>Mer</a:t>
+            </a:r>
+            <a:r>
+              <a:rPr lang="de-AT" dirty="0" err="1">
+                <a:solidFill>
+                  <a:schemeClr val="tx1"/>
+                </a:solidFill>
+              </a:rPr>
+              <a:t>ge</a:t>
+            </a:r>
+            <a:r>
+              <a:rPr lang="de-AT" dirty="0">
+                <a:solidFill>
+                  <a:schemeClr val="tx1"/>
+                </a:solidFill>
+              </a:rPr>
+              <a:t> </a:t>
+            </a:r>
+            <a:r>
+              <a:rPr lang="de-AT" dirty="0" err="1">
+                <a:solidFill>
+                  <a:schemeClr val="tx1"/>
+                </a:solidFill>
+              </a:rPr>
+              <a:t>Conflicts</a:t>
+            </a:r>
+            <a:r>
+              <a:rPr lang="de-AT" dirty="0">
+                <a:solidFill>
+                  <a:schemeClr val="tx1"/>
+                </a:solidFill>
+              </a:rPr>
+              <a:t> and still </a:t>
+            </a:r>
+            <a:r>
+              <a:rPr lang="de-AT" dirty="0" err="1">
+                <a:solidFill>
+                  <a:schemeClr val="tx1"/>
+                </a:solidFill>
+              </a:rPr>
+              <a:t>getting</a:t>
+            </a:r>
+            <a:r>
+              <a:rPr lang="de-AT" dirty="0">
+                <a:solidFill>
+                  <a:schemeClr val="tx1"/>
+                </a:solidFill>
+              </a:rPr>
+              <a:t> </a:t>
+            </a:r>
+            <a:r>
+              <a:rPr lang="de-AT" dirty="0" err="1">
+                <a:solidFill>
+                  <a:schemeClr val="tx1"/>
+                </a:solidFill>
+              </a:rPr>
+              <a:t>them</a:t>
+            </a:r>
+            <a:r>
+              <a:rPr lang="de-AT" dirty="0">
+                <a:solidFill>
+                  <a:schemeClr val="tx1"/>
+                </a:solidFill>
+              </a:rPr>
+              <a:t>.</a:t>
             </a:r>
             <a:endParaRPr lang="de-AT" sz="1800" dirty="0">
               <a:solidFill>
@@ -9682,38 +9604,29 @@
           </a:lstStyle>
           <a:p>
             <a:r>
-              <a:rPr lang="de-AT" dirty="0" err="1" smtClean="0"/>
+              <a:rPr lang="de-AT" dirty="0" err="1"/>
               <a:t>If</a:t>
             </a:r>
             <a:r>
-              <a:rPr lang="de-AT" dirty="0" smtClean="0"/>
+              <a:rPr lang="de-AT" dirty="0"/>
               <a:t> </a:t>
             </a:r>
             <a:r>
-              <a:rPr lang="de-AT" dirty="0" err="1" smtClean="0"/>
+              <a:rPr lang="de-AT" dirty="0" err="1"/>
               <a:t>there</a:t>
             </a:r>
             <a:r>
-              <a:rPr lang="de-AT" dirty="0" smtClean="0"/>
-              <a:t> </a:t>
-            </a:r>
-            <a:r>
-              <a:rPr lang="de-AT" dirty="0" err="1" smtClean="0"/>
-              <a:t>were</a:t>
-            </a:r>
-            <a:r>
-              <a:rPr lang="de-AT" dirty="0" smtClean="0"/>
-              <a:t> </a:t>
-            </a:r>
-            <a:r>
-              <a:rPr lang="de-AT" dirty="0" err="1" smtClean="0"/>
+              <a:rPr lang="de-AT" dirty="0"/>
+              <a:t> was </a:t>
+            </a:r>
+            <a:r>
+              <a:rPr lang="de-AT" dirty="0" err="1"/>
               <a:t>more</a:t>
             </a:r>
             <a:r>
-              <a:rPr lang="de-AT" dirty="0" smtClean="0"/>
+              <a:rPr lang="de-AT" dirty="0"/>
               <a:t> time:</a:t>
             </a:r>
-            <a:endParaRPr lang="de-AT" dirty="0"/>
           </a:p>
         </p:txBody>
       </p:sp>
@@ -9967,18 +9880,397 @@
           </a:lstStyle>
           <a:p>
             <a:r>
-              <a:rPr lang="de-AT" dirty="0" smtClean="0">
+              <a:rPr lang="de-AT" sz="1800" dirty="0" err="1">
                 <a:solidFill>
                   <a:schemeClr val="tx1"/>
                 </a:solidFill>
               </a:rPr>
-              <a:t>….</a:t>
-            </a:r>
-            <a:endParaRPr lang="de-AT" sz="1800" dirty="0">
-              <a:solidFill>
-                <a:schemeClr val="tx1"/>
-              </a:solidFill>
-            </a:endParaRPr>
+              <a:t>Prin</a:t>
+            </a:r>
+            <a:r>
+              <a:rPr lang="de-AT" dirty="0" err="1">
+                <a:solidFill>
+                  <a:schemeClr val="tx1"/>
+                </a:solidFill>
+              </a:rPr>
+              <a:t>ting</a:t>
+            </a:r>
+            <a:r>
+              <a:rPr lang="de-AT" dirty="0">
+                <a:solidFill>
+                  <a:schemeClr val="tx1"/>
+                </a:solidFill>
+              </a:rPr>
+              <a:t> </a:t>
+            </a:r>
+            <a:r>
+              <a:rPr lang="de-AT" dirty="0" err="1">
+                <a:solidFill>
+                  <a:schemeClr val="tx1"/>
+                </a:solidFill>
+              </a:rPr>
+              <a:t>invoice</a:t>
+            </a:r>
+            <a:r>
+              <a:rPr lang="de-AT" dirty="0">
+                <a:solidFill>
+                  <a:schemeClr val="tx1"/>
+                </a:solidFill>
+              </a:rPr>
+              <a:t> </a:t>
+            </a:r>
+            <a:r>
+              <a:rPr lang="de-AT" dirty="0" err="1">
+                <a:solidFill>
+                  <a:schemeClr val="tx1"/>
+                </a:solidFill>
+              </a:rPr>
+              <a:t>as</a:t>
+            </a:r>
+            <a:r>
+              <a:rPr lang="de-AT" dirty="0">
+                <a:solidFill>
+                  <a:schemeClr val="tx1"/>
+                </a:solidFill>
+              </a:rPr>
+              <a:t> </a:t>
+            </a:r>
+            <a:r>
+              <a:rPr lang="de-AT" dirty="0" err="1">
+                <a:solidFill>
+                  <a:schemeClr val="tx1"/>
+                </a:solidFill>
+              </a:rPr>
+              <a:t>file</a:t>
+            </a:r>
+            <a:r>
+              <a:rPr lang="de-AT" dirty="0">
+                <a:solidFill>
+                  <a:schemeClr val="tx1"/>
+                </a:solidFill>
+              </a:rPr>
+              <a:t> and/</a:t>
+            </a:r>
+            <a:r>
+              <a:rPr lang="de-AT" dirty="0" err="1">
+                <a:solidFill>
+                  <a:schemeClr val="tx1"/>
+                </a:solidFill>
+              </a:rPr>
+              <a:t>or</a:t>
+            </a:r>
+            <a:r>
+              <a:rPr lang="de-AT" dirty="0">
+                <a:solidFill>
+                  <a:schemeClr val="tx1"/>
+                </a:solidFill>
+              </a:rPr>
+              <a:t> </a:t>
+            </a:r>
+            <a:r>
+              <a:rPr lang="de-AT" dirty="0" err="1">
+                <a:solidFill>
+                  <a:schemeClr val="tx1"/>
+                </a:solidFill>
+              </a:rPr>
+              <a:t>printable</a:t>
+            </a:r>
+            <a:r>
+              <a:rPr lang="de-AT" dirty="0">
+                <a:solidFill>
+                  <a:schemeClr val="tx1"/>
+                </a:solidFill>
+              </a:rPr>
+              <a:t>.</a:t>
+            </a:r>
+          </a:p>
+          <a:p>
+            <a:r>
+              <a:rPr lang="de-AT" sz="1800" dirty="0">
+                <a:solidFill>
+                  <a:schemeClr val="tx1"/>
+                </a:solidFill>
+              </a:rPr>
+              <a:t>Add </a:t>
+            </a:r>
+            <a:r>
+              <a:rPr lang="de-AT" dirty="0" err="1">
+                <a:solidFill>
+                  <a:schemeClr val="tx1"/>
+                </a:solidFill>
+              </a:rPr>
+              <a:t>b</a:t>
+            </a:r>
+            <a:r>
+              <a:rPr lang="de-AT" sz="1800" dirty="0" err="1">
+                <a:solidFill>
+                  <a:schemeClr val="tx1"/>
+                </a:solidFill>
+              </a:rPr>
+              <a:t>ookings</a:t>
+            </a:r>
+            <a:r>
+              <a:rPr lang="de-AT" sz="1800" dirty="0">
+                <a:solidFill>
+                  <a:schemeClr val="tx1"/>
+                </a:solidFill>
+              </a:rPr>
+              <a:t> </a:t>
+            </a:r>
+            <a:r>
+              <a:rPr lang="de-AT" dirty="0" err="1">
+                <a:solidFill>
+                  <a:schemeClr val="tx1"/>
+                </a:solidFill>
+              </a:rPr>
+              <a:t>directly</a:t>
+            </a:r>
+            <a:r>
+              <a:rPr lang="de-AT" dirty="0">
+                <a:solidFill>
+                  <a:schemeClr val="tx1"/>
+                </a:solidFill>
+              </a:rPr>
+              <a:t> </a:t>
+            </a:r>
+            <a:r>
+              <a:rPr lang="de-AT" dirty="0" err="1">
+                <a:solidFill>
+                  <a:schemeClr val="tx1"/>
+                </a:solidFill>
+              </a:rPr>
+              <a:t>to</a:t>
+            </a:r>
+            <a:r>
+              <a:rPr lang="de-AT" dirty="0">
+                <a:solidFill>
+                  <a:schemeClr val="tx1"/>
+                </a:solidFill>
+              </a:rPr>
+              <a:t> </a:t>
+            </a:r>
+            <a:r>
+              <a:rPr lang="de-AT" dirty="0" err="1">
+                <a:solidFill>
+                  <a:schemeClr val="tx1"/>
+                </a:solidFill>
+              </a:rPr>
+              <a:t>the</a:t>
+            </a:r>
+            <a:r>
+              <a:rPr lang="de-AT" dirty="0">
+                <a:solidFill>
+                  <a:schemeClr val="tx1"/>
+                </a:solidFill>
+              </a:rPr>
+              <a:t> </a:t>
+            </a:r>
+            <a:r>
+              <a:rPr lang="de-AT" dirty="0" err="1">
+                <a:solidFill>
+                  <a:schemeClr val="tx1"/>
+                </a:solidFill>
+              </a:rPr>
+              <a:t>calendar</a:t>
+            </a:r>
+            <a:r>
+              <a:rPr lang="de-AT" dirty="0">
+                <a:solidFill>
+                  <a:schemeClr val="tx1"/>
+                </a:solidFill>
+              </a:rPr>
+              <a:t>.</a:t>
+            </a:r>
+          </a:p>
+          <a:p>
+            <a:r>
+              <a:rPr lang="de-AT" dirty="0" err="1">
+                <a:solidFill>
+                  <a:schemeClr val="tx1"/>
+                </a:solidFill>
+              </a:rPr>
+              <a:t>Specific</a:t>
+            </a:r>
+            <a:r>
+              <a:rPr lang="de-AT" dirty="0">
+                <a:solidFill>
+                  <a:schemeClr val="tx1"/>
+                </a:solidFill>
+              </a:rPr>
+              <a:t> </a:t>
+            </a:r>
+            <a:r>
+              <a:rPr lang="de-AT" dirty="0" err="1">
+                <a:solidFill>
+                  <a:schemeClr val="tx1"/>
+                </a:solidFill>
+              </a:rPr>
+              <a:t>invoices</a:t>
+            </a:r>
+            <a:r>
+              <a:rPr lang="de-AT" dirty="0">
+                <a:solidFill>
+                  <a:schemeClr val="tx1"/>
+                </a:solidFill>
+              </a:rPr>
+              <a:t> </a:t>
+            </a:r>
+            <a:r>
+              <a:rPr lang="de-AT" dirty="0" err="1">
+                <a:solidFill>
+                  <a:schemeClr val="tx1"/>
+                </a:solidFill>
+              </a:rPr>
+              <a:t>for</a:t>
+            </a:r>
+            <a:r>
+              <a:rPr lang="de-AT" dirty="0">
+                <a:solidFill>
+                  <a:schemeClr val="tx1"/>
+                </a:solidFill>
+              </a:rPr>
+              <a:t> </a:t>
+            </a:r>
+            <a:r>
+              <a:rPr lang="de-AT" dirty="0" err="1">
+                <a:solidFill>
+                  <a:schemeClr val="tx1"/>
+                </a:solidFill>
+              </a:rPr>
+              <a:t>companies</a:t>
+            </a:r>
+            <a:r>
+              <a:rPr lang="de-AT" dirty="0">
+                <a:solidFill>
+                  <a:schemeClr val="tx1"/>
+                </a:solidFill>
+              </a:rPr>
+              <a:t> </a:t>
+            </a:r>
+            <a:r>
+              <a:rPr lang="de-AT" dirty="0" err="1">
+                <a:solidFill>
+                  <a:schemeClr val="tx1"/>
+                </a:solidFill>
+              </a:rPr>
+              <a:t>who</a:t>
+            </a:r>
+            <a:r>
+              <a:rPr lang="de-AT" dirty="0">
+                <a:solidFill>
+                  <a:schemeClr val="tx1"/>
+                </a:solidFill>
+              </a:rPr>
+              <a:t> </a:t>
+            </a:r>
+            <a:r>
+              <a:rPr lang="de-AT" dirty="0" err="1">
+                <a:solidFill>
+                  <a:schemeClr val="tx1"/>
+                </a:solidFill>
+              </a:rPr>
+              <a:t>book</a:t>
+            </a:r>
+            <a:r>
+              <a:rPr lang="de-AT" dirty="0">
+                <a:solidFill>
+                  <a:schemeClr val="tx1"/>
+                </a:solidFill>
+              </a:rPr>
+              <a:t> multiple </a:t>
+            </a:r>
+            <a:r>
+              <a:rPr lang="de-AT" dirty="0" err="1">
+                <a:solidFill>
+                  <a:schemeClr val="tx1"/>
+                </a:solidFill>
+              </a:rPr>
+              <a:t>rooms</a:t>
+            </a:r>
+            <a:r>
+              <a:rPr lang="de-AT" dirty="0">
+                <a:solidFill>
+                  <a:schemeClr val="tx1"/>
+                </a:solidFill>
+              </a:rPr>
+              <a:t>.</a:t>
+            </a:r>
+          </a:p>
+          <a:p>
+            <a:r>
+              <a:rPr lang="de-AT" dirty="0">
+                <a:solidFill>
+                  <a:schemeClr val="tx1"/>
+                </a:solidFill>
+              </a:rPr>
+              <a:t>Variable Prices </a:t>
+            </a:r>
+            <a:r>
+              <a:rPr lang="de-AT" dirty="0" err="1">
+                <a:solidFill>
+                  <a:schemeClr val="tx1"/>
+                </a:solidFill>
+              </a:rPr>
+              <a:t>for</a:t>
+            </a:r>
+            <a:r>
+              <a:rPr lang="de-AT" dirty="0">
+                <a:solidFill>
+                  <a:schemeClr val="tx1"/>
+                </a:solidFill>
+              </a:rPr>
+              <a:t> different </a:t>
+            </a:r>
+            <a:r>
+              <a:rPr lang="de-AT" dirty="0" err="1">
+                <a:solidFill>
+                  <a:schemeClr val="tx1"/>
+                </a:solidFill>
+              </a:rPr>
+              <a:t>holidays</a:t>
+            </a:r>
+            <a:r>
+              <a:rPr lang="de-AT" dirty="0">
+                <a:solidFill>
+                  <a:schemeClr val="tx1"/>
+                </a:solidFill>
+              </a:rPr>
+              <a:t>/</a:t>
+            </a:r>
+            <a:r>
+              <a:rPr lang="de-AT" dirty="0" err="1">
+                <a:solidFill>
+                  <a:schemeClr val="tx1"/>
+                </a:solidFill>
+              </a:rPr>
+              <a:t>seasons</a:t>
+            </a:r>
+            <a:r>
+              <a:rPr lang="de-AT" dirty="0">
+                <a:solidFill>
+                  <a:schemeClr val="tx1"/>
+                </a:solidFill>
+              </a:rPr>
+              <a:t>.</a:t>
+            </a:r>
+          </a:p>
+          <a:p>
+            <a:r>
+              <a:rPr lang="de-AT" dirty="0" err="1">
+                <a:solidFill>
+                  <a:schemeClr val="tx1"/>
+                </a:solidFill>
+              </a:rPr>
+              <a:t>Onlinebooking</a:t>
+            </a:r>
+            <a:r>
+              <a:rPr lang="de-AT" dirty="0">
+                <a:solidFill>
+                  <a:schemeClr val="tx1"/>
+                </a:solidFill>
+              </a:rPr>
+              <a:t> (Spring)</a:t>
+            </a:r>
           </a:p>
         </p:txBody>
       </p:sp>
